--- a/threejs-tuts-4.pptx
+++ b/threejs-tuts-4.pptx
@@ -37,6 +37,7 @@
     <p:sldId id="297" r:id="rId31"/>
     <p:sldId id="298" r:id="rId32"/>
     <p:sldId id="262" r:id="rId33"/>
+    <p:sldId id="304" r:id="rId34"/>
   </p:sldIdLst>
   <p:sldSz cx="9144000" cy="6858000" type="screen4x3"/>
   <p:notesSz cx="6797675" cy="9928225"/>
@@ -285,7 +286,7 @@
           <a:p>
             <a:fld id="{9AB96A49-BA8E-464B-A1B0-31643BCE068C}" type="datetimeFigureOut">
               <a:rPr lang="zh-TW" altLang="en-US" smtClean="0"/>
-              <a:t>2014/12/23</a:t>
+              <a:t>2014/12/29</a:t>
             </a:fld>
             <a:endParaRPr lang="zh-TW" altLang="en-US"/>
           </a:p>
@@ -455,7 +456,7 @@
           <a:p>
             <a:fld id="{9AB96A49-BA8E-464B-A1B0-31643BCE068C}" type="datetimeFigureOut">
               <a:rPr lang="zh-TW" altLang="en-US" smtClean="0"/>
-              <a:t>2014/12/23</a:t>
+              <a:t>2014/12/29</a:t>
             </a:fld>
             <a:endParaRPr lang="zh-TW" altLang="en-US"/>
           </a:p>
@@ -635,7 +636,7 @@
           <a:p>
             <a:fld id="{9AB96A49-BA8E-464B-A1B0-31643BCE068C}" type="datetimeFigureOut">
               <a:rPr lang="zh-TW" altLang="en-US" smtClean="0"/>
-              <a:t>2014/12/23</a:t>
+              <a:t>2014/12/29</a:t>
             </a:fld>
             <a:endParaRPr lang="zh-TW" altLang="en-US"/>
           </a:p>
@@ -805,7 +806,7 @@
           <a:p>
             <a:fld id="{9AB96A49-BA8E-464B-A1B0-31643BCE068C}" type="datetimeFigureOut">
               <a:rPr lang="zh-TW" altLang="en-US" smtClean="0"/>
-              <a:t>2014/12/23</a:t>
+              <a:t>2014/12/29</a:t>
             </a:fld>
             <a:endParaRPr lang="zh-TW" altLang="en-US"/>
           </a:p>
@@ -1049,7 +1050,7 @@
           <a:p>
             <a:fld id="{9AB96A49-BA8E-464B-A1B0-31643BCE068C}" type="datetimeFigureOut">
               <a:rPr lang="zh-TW" altLang="en-US" smtClean="0"/>
-              <a:t>2014/12/23</a:t>
+              <a:t>2014/12/29</a:t>
             </a:fld>
             <a:endParaRPr lang="zh-TW" altLang="en-US"/>
           </a:p>
@@ -1281,7 +1282,7 @@
           <a:p>
             <a:fld id="{9AB96A49-BA8E-464B-A1B0-31643BCE068C}" type="datetimeFigureOut">
               <a:rPr lang="zh-TW" altLang="en-US" smtClean="0"/>
-              <a:t>2014/12/23</a:t>
+              <a:t>2014/12/29</a:t>
             </a:fld>
             <a:endParaRPr lang="zh-TW" altLang="en-US"/>
           </a:p>
@@ -1648,7 +1649,7 @@
           <a:p>
             <a:fld id="{9AB96A49-BA8E-464B-A1B0-31643BCE068C}" type="datetimeFigureOut">
               <a:rPr lang="zh-TW" altLang="en-US" smtClean="0"/>
-              <a:t>2014/12/23</a:t>
+              <a:t>2014/12/29</a:t>
             </a:fld>
             <a:endParaRPr lang="zh-TW" altLang="en-US"/>
           </a:p>
@@ -1766,7 +1767,7 @@
           <a:p>
             <a:fld id="{9AB96A49-BA8E-464B-A1B0-31643BCE068C}" type="datetimeFigureOut">
               <a:rPr lang="zh-TW" altLang="en-US" smtClean="0"/>
-              <a:t>2014/12/23</a:t>
+              <a:t>2014/12/29</a:t>
             </a:fld>
             <a:endParaRPr lang="zh-TW" altLang="en-US"/>
           </a:p>
@@ -1861,7 +1862,7 @@
           <a:p>
             <a:fld id="{9AB96A49-BA8E-464B-A1B0-31643BCE068C}" type="datetimeFigureOut">
               <a:rPr lang="zh-TW" altLang="en-US" smtClean="0"/>
-              <a:t>2014/12/23</a:t>
+              <a:t>2014/12/29</a:t>
             </a:fld>
             <a:endParaRPr lang="zh-TW" altLang="en-US"/>
           </a:p>
@@ -2138,7 +2139,7 @@
           <a:p>
             <a:fld id="{9AB96A49-BA8E-464B-A1B0-31643BCE068C}" type="datetimeFigureOut">
               <a:rPr lang="zh-TW" altLang="en-US" smtClean="0"/>
-              <a:t>2014/12/23</a:t>
+              <a:t>2014/12/29</a:t>
             </a:fld>
             <a:endParaRPr lang="zh-TW" altLang="en-US"/>
           </a:p>
@@ -2395,7 +2396,7 @@
           <a:p>
             <a:fld id="{9AB96A49-BA8E-464B-A1B0-31643BCE068C}" type="datetimeFigureOut">
               <a:rPr lang="zh-TW" altLang="en-US" smtClean="0"/>
-              <a:t>2014/12/23</a:t>
+              <a:t>2014/12/29</a:t>
             </a:fld>
             <a:endParaRPr lang="zh-TW" altLang="en-US"/>
           </a:p>
@@ -2608,7 +2609,7 @@
           <a:p>
             <a:fld id="{9AB96A49-BA8E-464B-A1B0-31643BCE068C}" type="datetimeFigureOut">
               <a:rPr lang="zh-TW" altLang="en-US" smtClean="0"/>
-              <a:t>2014/12/23</a:t>
+              <a:t>2014/12/29</a:t>
             </a:fld>
             <a:endParaRPr lang="zh-TW" altLang="en-US"/>
           </a:p>
@@ -6383,6 +6384,125 @@
 </p:sld>
 </file>
 
+<file path=ppt/slides/slide33.xml><?xml version="1.0" encoding="utf-8"?>
+<p:sld xmlns:a="http://schemas.openxmlformats.org/drawingml/2006/main" xmlns:r="http://schemas.openxmlformats.org/officeDocument/2006/relationships" xmlns:p="http://schemas.openxmlformats.org/presentationml/2006/main">
+  <p:cSld>
+    <p:spTree>
+      <p:nvGrpSpPr>
+        <p:cNvPr id="1" name=""/>
+        <p:cNvGrpSpPr/>
+        <p:nvPr/>
+      </p:nvGrpSpPr>
+      <p:grpSpPr>
+        <a:xfrm>
+          <a:off x="0" y="0"/>
+          <a:ext cx="0" cy="0"/>
+          <a:chOff x="0" y="0"/>
+          <a:chExt cx="0" cy="0"/>
+        </a:xfrm>
+      </p:grpSpPr>
+      <p:sp>
+        <p:nvSpPr>
+          <p:cNvPr id="2" name="標題 1"/>
+          <p:cNvSpPr>
+            <a:spLocks noGrp="1"/>
+          </p:cNvSpPr>
+          <p:nvPr>
+            <p:ph type="title"/>
+          </p:nvPr>
+        </p:nvSpPr>
+        <p:spPr/>
+        <p:txBody>
+          <a:bodyPr/>
+          <a:lstStyle/>
+          <a:p>
+            <a:r>
+              <a:rPr lang="en-US" altLang="zh-TW" dirty="0" smtClean="0"/>
+              <a:t>Environment</a:t>
+            </a:r>
+            <a:endParaRPr lang="zh-TW" altLang="en-US" dirty="0"/>
+          </a:p>
+        </p:txBody>
+      </p:sp>
+      <p:sp>
+        <p:nvSpPr>
+          <p:cNvPr id="3" name="內容版面配置區 2"/>
+          <p:cNvSpPr>
+            <a:spLocks noGrp="1"/>
+          </p:cNvSpPr>
+          <p:nvPr>
+            <p:ph idx="1"/>
+          </p:nvPr>
+        </p:nvSpPr>
+        <p:spPr/>
+        <p:txBody>
+          <a:bodyPr/>
+          <a:lstStyle/>
+          <a:p>
+            <a:r>
+              <a:rPr lang="en-US" altLang="zh-TW" dirty="0" smtClean="0"/>
+              <a:t>I like </a:t>
+            </a:r>
+            <a:r>
+              <a:rPr lang="en-US" altLang="zh-TW" dirty="0"/>
+              <a:t>this html: </a:t>
+            </a:r>
+            <a:r>
+              <a:rPr lang="en-US" altLang="zh-TW" dirty="0">
+                <a:hlinkClick r:id="rId2"/>
+              </a:rPr>
+              <a:t>http://www.clicktorelease.com/code/spherical-environment-mapping</a:t>
+            </a:r>
+            <a:r>
+              <a:rPr lang="en-US" altLang="zh-TW" dirty="0" smtClean="0">
+                <a:hlinkClick r:id="rId2"/>
+              </a:rPr>
+              <a:t>/</a:t>
+            </a:r>
+            <a:endParaRPr lang="en-US" altLang="zh-TW" dirty="0" smtClean="0"/>
+          </a:p>
+          <a:p>
+            <a:endParaRPr lang="zh-TW" altLang="en-US" dirty="0"/>
+          </a:p>
+        </p:txBody>
+      </p:sp>
+      <p:pic>
+        <p:nvPicPr>
+          <p:cNvPr id="4" name="圖片 3"/>
+          <p:cNvPicPr>
+            <a:picLocks noChangeAspect="1"/>
+          </p:cNvPicPr>
+          <p:nvPr/>
+        </p:nvPicPr>
+        <p:blipFill>
+          <a:blip r:embed="rId3"/>
+          <a:stretch>
+            <a:fillRect/>
+          </a:stretch>
+        </p:blipFill>
+        <p:spPr>
+          <a:xfrm>
+            <a:off x="3285406" y="1451843"/>
+            <a:ext cx="5695950" cy="5248275"/>
+          </a:xfrm>
+          <a:prstGeom prst="rect">
+            <a:avLst/>
+          </a:prstGeom>
+        </p:spPr>
+      </p:pic>
+    </p:spTree>
+    <p:extLst>
+      <p:ext uri="{BB962C8B-B14F-4D97-AF65-F5344CB8AC3E}">
+        <p14:creationId xmlns:p14="http://schemas.microsoft.com/office/powerpoint/2010/main" val="3495023206"/>
+      </p:ext>
+    </p:extLst>
+  </p:cSld>
+  <p:clrMapOvr>
+    <a:masterClrMapping/>
+  </p:clrMapOvr>
+</p:sld>
+</file>
+
 <file path=ppt/slides/slide4.xml><?xml version="1.0" encoding="utf-8"?>
 <p:sld xmlns:a="http://schemas.openxmlformats.org/drawingml/2006/main" xmlns:r="http://schemas.openxmlformats.org/officeDocument/2006/relationships" xmlns:p="http://schemas.openxmlformats.org/presentationml/2006/main">
   <p:cSld>

--- a/threejs-tuts-4.pptx
+++ b/threejs-tuts-4.pptx
@@ -30,14 +30,18 @@
     <p:sldId id="286" r:id="rId24"/>
     <p:sldId id="287" r:id="rId25"/>
     <p:sldId id="288" r:id="rId26"/>
-    <p:sldId id="303" r:id="rId27"/>
-    <p:sldId id="260" r:id="rId28"/>
-    <p:sldId id="261" r:id="rId29"/>
-    <p:sldId id="296" r:id="rId30"/>
-    <p:sldId id="297" r:id="rId31"/>
-    <p:sldId id="298" r:id="rId32"/>
-    <p:sldId id="262" r:id="rId33"/>
-    <p:sldId id="304" r:id="rId34"/>
+    <p:sldId id="305" r:id="rId27"/>
+    <p:sldId id="306" r:id="rId28"/>
+    <p:sldId id="307" r:id="rId29"/>
+    <p:sldId id="308" r:id="rId30"/>
+    <p:sldId id="303" r:id="rId31"/>
+    <p:sldId id="260" r:id="rId32"/>
+    <p:sldId id="261" r:id="rId33"/>
+    <p:sldId id="296" r:id="rId34"/>
+    <p:sldId id="297" r:id="rId35"/>
+    <p:sldId id="298" r:id="rId36"/>
+    <p:sldId id="262" r:id="rId37"/>
+    <p:sldId id="304" r:id="rId38"/>
   </p:sldIdLst>
   <p:sldSz cx="9144000" cy="6858000" type="screen4x3"/>
   <p:notesSz cx="6797675" cy="9928225"/>
@@ -286,7 +290,7 @@
           <a:p>
             <a:fld id="{9AB96A49-BA8E-464B-A1B0-31643BCE068C}" type="datetimeFigureOut">
               <a:rPr lang="zh-TW" altLang="en-US" smtClean="0"/>
-              <a:t>2014/12/29</a:t>
+              <a:t>2015/1/1</a:t>
             </a:fld>
             <a:endParaRPr lang="zh-TW" altLang="en-US"/>
           </a:p>
@@ -456,7 +460,7 @@
           <a:p>
             <a:fld id="{9AB96A49-BA8E-464B-A1B0-31643BCE068C}" type="datetimeFigureOut">
               <a:rPr lang="zh-TW" altLang="en-US" smtClean="0"/>
-              <a:t>2014/12/29</a:t>
+              <a:t>2015/1/1</a:t>
             </a:fld>
             <a:endParaRPr lang="zh-TW" altLang="en-US"/>
           </a:p>
@@ -636,7 +640,7 @@
           <a:p>
             <a:fld id="{9AB96A49-BA8E-464B-A1B0-31643BCE068C}" type="datetimeFigureOut">
               <a:rPr lang="zh-TW" altLang="en-US" smtClean="0"/>
-              <a:t>2014/12/29</a:t>
+              <a:t>2015/1/1</a:t>
             </a:fld>
             <a:endParaRPr lang="zh-TW" altLang="en-US"/>
           </a:p>
@@ -806,7 +810,7 @@
           <a:p>
             <a:fld id="{9AB96A49-BA8E-464B-A1B0-31643BCE068C}" type="datetimeFigureOut">
               <a:rPr lang="zh-TW" altLang="en-US" smtClean="0"/>
-              <a:t>2014/12/29</a:t>
+              <a:t>2015/1/1</a:t>
             </a:fld>
             <a:endParaRPr lang="zh-TW" altLang="en-US"/>
           </a:p>
@@ -1050,7 +1054,7 @@
           <a:p>
             <a:fld id="{9AB96A49-BA8E-464B-A1B0-31643BCE068C}" type="datetimeFigureOut">
               <a:rPr lang="zh-TW" altLang="en-US" smtClean="0"/>
-              <a:t>2014/12/29</a:t>
+              <a:t>2015/1/1</a:t>
             </a:fld>
             <a:endParaRPr lang="zh-TW" altLang="en-US"/>
           </a:p>
@@ -1282,7 +1286,7 @@
           <a:p>
             <a:fld id="{9AB96A49-BA8E-464B-A1B0-31643BCE068C}" type="datetimeFigureOut">
               <a:rPr lang="zh-TW" altLang="en-US" smtClean="0"/>
-              <a:t>2014/12/29</a:t>
+              <a:t>2015/1/1</a:t>
             </a:fld>
             <a:endParaRPr lang="zh-TW" altLang="en-US"/>
           </a:p>
@@ -1649,7 +1653,7 @@
           <a:p>
             <a:fld id="{9AB96A49-BA8E-464B-A1B0-31643BCE068C}" type="datetimeFigureOut">
               <a:rPr lang="zh-TW" altLang="en-US" smtClean="0"/>
-              <a:t>2014/12/29</a:t>
+              <a:t>2015/1/1</a:t>
             </a:fld>
             <a:endParaRPr lang="zh-TW" altLang="en-US"/>
           </a:p>
@@ -1767,7 +1771,7 @@
           <a:p>
             <a:fld id="{9AB96A49-BA8E-464B-A1B0-31643BCE068C}" type="datetimeFigureOut">
               <a:rPr lang="zh-TW" altLang="en-US" smtClean="0"/>
-              <a:t>2014/12/29</a:t>
+              <a:t>2015/1/1</a:t>
             </a:fld>
             <a:endParaRPr lang="zh-TW" altLang="en-US"/>
           </a:p>
@@ -1862,7 +1866,7 @@
           <a:p>
             <a:fld id="{9AB96A49-BA8E-464B-A1B0-31643BCE068C}" type="datetimeFigureOut">
               <a:rPr lang="zh-TW" altLang="en-US" smtClean="0"/>
-              <a:t>2014/12/29</a:t>
+              <a:t>2015/1/1</a:t>
             </a:fld>
             <a:endParaRPr lang="zh-TW" altLang="en-US"/>
           </a:p>
@@ -2139,7 +2143,7 @@
           <a:p>
             <a:fld id="{9AB96A49-BA8E-464B-A1B0-31643BCE068C}" type="datetimeFigureOut">
               <a:rPr lang="zh-TW" altLang="en-US" smtClean="0"/>
-              <a:t>2014/12/29</a:t>
+              <a:t>2015/1/1</a:t>
             </a:fld>
             <a:endParaRPr lang="zh-TW" altLang="en-US"/>
           </a:p>
@@ -2396,7 +2400,7 @@
           <a:p>
             <a:fld id="{9AB96A49-BA8E-464B-A1B0-31643BCE068C}" type="datetimeFigureOut">
               <a:rPr lang="zh-TW" altLang="en-US" smtClean="0"/>
-              <a:t>2014/12/29</a:t>
+              <a:t>2015/1/1</a:t>
             </a:fld>
             <a:endParaRPr lang="zh-TW" altLang="en-US"/>
           </a:p>
@@ -2609,7 +2613,7 @@
           <a:p>
             <a:fld id="{9AB96A49-BA8E-464B-A1B0-31643BCE068C}" type="datetimeFigureOut">
               <a:rPr lang="zh-TW" altLang="en-US" smtClean="0"/>
-              <a:t>2014/12/29</a:t>
+              <a:t>2015/1/1</a:t>
             </a:fld>
             <a:endParaRPr lang="zh-TW" altLang="en-US"/>
           </a:p>
@@ -3038,7 +3042,19 @@
             </a:br>
             <a:r>
               <a:rPr lang="en-US" altLang="zh-TW" dirty="0" smtClean="0"/>
-              <a:t>Part 4 (2x- </a:t>
+              <a:t>Part 4 </a:t>
+            </a:r>
+            <a:r>
+              <a:rPr lang="en-US" altLang="zh-TW" dirty="0" smtClean="0"/>
+              <a:t>(</a:t>
+            </a:r>
+            <a:r>
+              <a:rPr lang="en-US" altLang="zh-TW" dirty="0"/>
+              <a:t>S</a:t>
+            </a:r>
+            <a:r>
+              <a:rPr lang="en-US" altLang="zh-TW" dirty="0" smtClean="0"/>
+              <a:t>- </a:t>
             </a:r>
             <a:r>
               <a:rPr lang="en-US" altLang="zh-TW" dirty="0" err="1" smtClean="0"/>
@@ -3556,7 +3572,15 @@
             </a:r>
             <a:r>
               <a:rPr lang="en-US" altLang="zh-TW" dirty="0" smtClean="0"/>
-              <a:t> 2x-1 </a:t>
+              <a:t> </a:t>
+            </a:r>
+            <a:r>
+              <a:rPr lang="en-US" altLang="zh-TW" dirty="0"/>
+              <a:t>S</a:t>
+            </a:r>
+            <a:r>
+              <a:rPr lang="en-US" altLang="zh-TW" dirty="0" smtClean="0"/>
+              <a:t>-1 </a:t>
             </a:r>
             <a:r>
               <a:rPr lang="en-US" altLang="zh-TW" dirty="0" err="1" smtClean="0"/>
@@ -3642,6 +3666,52 @@
           </a:prstGeom>
         </p:spPr>
       </p:pic>
+      <p:sp>
+        <p:nvSpPr>
+          <p:cNvPr id="6" name="圓角矩形 5"/>
+          <p:cNvSpPr/>
+          <p:nvPr/>
+        </p:nvSpPr>
+        <p:spPr>
+          <a:xfrm>
+            <a:off x="250166" y="5831457"/>
+            <a:ext cx="7850038" cy="701975"/>
+          </a:xfrm>
+          <a:prstGeom prst="roundRect">
+            <a:avLst/>
+          </a:prstGeom>
+          <a:noFill/>
+          <a:ln w="57150">
+            <a:solidFill>
+              <a:srgbClr val="FF0000"/>
+            </a:solidFill>
+          </a:ln>
+        </p:spPr>
+        <p:style>
+          <a:lnRef idx="2">
+            <a:schemeClr val="accent1">
+              <a:shade val="50000"/>
+            </a:schemeClr>
+          </a:lnRef>
+          <a:fillRef idx="1">
+            <a:schemeClr val="accent1"/>
+          </a:fillRef>
+          <a:effectRef idx="0">
+            <a:schemeClr val="accent1"/>
+          </a:effectRef>
+          <a:fontRef idx="minor">
+            <a:schemeClr val="lt1"/>
+          </a:fontRef>
+        </p:style>
+        <p:txBody>
+          <a:bodyPr rtlCol="0" anchor="ctr"/>
+          <a:lstStyle/>
+          <a:p>
+            <a:pPr algn="ctr"/>
+            <a:endParaRPr lang="zh-TW" altLang="en-US"/>
+          </a:p>
+        </p:txBody>
+      </p:sp>
     </p:spTree>
     <p:extLst>
       <p:ext uri="{BB962C8B-B14F-4D97-AF65-F5344CB8AC3E}">
@@ -3766,7 +3836,19 @@
             </a:r>
             <a:r>
               <a:rPr lang="en-US" altLang="zh-TW" dirty="0" smtClean="0"/>
-              <a:t> 2x-2 (GLSL: </a:t>
+              <a:t> </a:t>
+            </a:r>
+            <a:r>
+              <a:rPr lang="en-US" altLang="zh-TW" dirty="0"/>
+              <a:t>S</a:t>
+            </a:r>
+            <a:r>
+              <a:rPr lang="en-US" altLang="zh-TW" dirty="0" smtClean="0"/>
+              <a:t>-2 </a:t>
+            </a:r>
+            <a:r>
+              <a:rPr lang="en-US" altLang="zh-TW" dirty="0" smtClean="0"/>
+              <a:t>(GLSL: </a:t>
             </a:r>
             <a:r>
               <a:rPr lang="en-US" altLang="zh-TW" dirty="0" err="1" smtClean="0"/>
@@ -4274,7 +4356,19 @@
             </a:r>
             <a:r>
               <a:rPr lang="en-US" altLang="zh-TW" dirty="0" smtClean="0"/>
-              <a:t> 2x-3 Filter</a:t>
+              <a:t> </a:t>
+            </a:r>
+            <a:r>
+              <a:rPr lang="en-US" altLang="zh-TW" dirty="0"/>
+              <a:t>S</a:t>
+            </a:r>
+            <a:r>
+              <a:rPr lang="en-US" altLang="zh-TW" dirty="0" smtClean="0"/>
+              <a:t>-3 </a:t>
+            </a:r>
+            <a:r>
+              <a:rPr lang="en-US" altLang="zh-TW" dirty="0" smtClean="0"/>
+              <a:t>Filter</a:t>
             </a:r>
             <a:endParaRPr lang="zh-TW" altLang="en-US" dirty="0"/>
           </a:p>
@@ -4920,7 +5014,19 @@
             </a:r>
             <a:r>
               <a:rPr lang="en-US" altLang="zh-TW" dirty="0" smtClean="0"/>
-              <a:t> 2x-4 RTT (</a:t>
+              <a:t> </a:t>
+            </a:r>
+            <a:r>
+              <a:rPr lang="en-US" altLang="zh-TW" dirty="0"/>
+              <a:t>S</a:t>
+            </a:r>
+            <a:r>
+              <a:rPr lang="en-US" altLang="zh-TW" dirty="0" smtClean="0"/>
+              <a:t>-4 </a:t>
+            </a:r>
+            <a:r>
+              <a:rPr lang="en-US" altLang="zh-TW" dirty="0" smtClean="0"/>
+              <a:t>RTT (</a:t>
             </a:r>
             <a:r>
               <a:rPr lang="en-US" altLang="zh-TW" dirty="0" err="1">
@@ -5234,7 +5340,7 @@
           <a:p>
             <a:r>
               <a:rPr lang="en-US" altLang="zh-TW" dirty="0" smtClean="0"/>
-              <a:t>Bump map</a:t>
+              <a:t>S-5 Mosaic</a:t>
             </a:r>
             <a:endParaRPr lang="zh-TW" altLang="en-US" dirty="0"/>
           </a:p>
@@ -5255,41 +5361,38 @@
           <a:bodyPr/>
           <a:lstStyle/>
           <a:p>
-            <a:r>
-              <a:rPr lang="en-US" altLang="zh-TW" dirty="0" smtClean="0"/>
-              <a:t>How </a:t>
-            </a:r>
-            <a:r>
-              <a:rPr lang="en-US" altLang="zh-TW" dirty="0" err="1" smtClean="0"/>
-              <a:t>threejs</a:t>
-            </a:r>
-            <a:r>
-              <a:rPr lang="en-US" altLang="zh-TW" dirty="0" smtClean="0"/>
-              <a:t> implements bump map?</a:t>
-            </a:r>
-          </a:p>
-          <a:p>
-            <a:pPr lvl="1"/>
-            <a:r>
-              <a:rPr lang="en-US" altLang="zh-TW" dirty="0" smtClean="0"/>
-              <a:t>Pretty good outcome, </a:t>
-            </a:r>
-            <a:r>
-              <a:rPr lang="en-US" altLang="zh-TW" dirty="0" err="1" smtClean="0"/>
-              <a:t>rgb</a:t>
-            </a:r>
-            <a:r>
-              <a:rPr lang="en-US" altLang="zh-TW" dirty="0" smtClean="0"/>
-              <a:t> map, …</a:t>
-            </a:r>
             <a:endParaRPr lang="zh-TW" altLang="en-US" dirty="0"/>
           </a:p>
         </p:txBody>
       </p:sp>
+      <p:pic>
+        <p:nvPicPr>
+          <p:cNvPr id="4" name="圖片 3"/>
+          <p:cNvPicPr>
+            <a:picLocks noChangeAspect="1"/>
+          </p:cNvPicPr>
+          <p:nvPr/>
+        </p:nvPicPr>
+        <p:blipFill>
+          <a:blip r:embed="rId2"/>
+          <a:stretch>
+            <a:fillRect/>
+          </a:stretch>
+        </p:blipFill>
+        <p:spPr>
+          <a:xfrm>
+            <a:off x="1719262" y="1385888"/>
+            <a:ext cx="5705475" cy="4791075"/>
+          </a:xfrm>
+          <a:prstGeom prst="rect">
+            <a:avLst/>
+          </a:prstGeom>
+        </p:spPr>
+      </p:pic>
     </p:spTree>
     <p:extLst>
       <p:ext uri="{BB962C8B-B14F-4D97-AF65-F5344CB8AC3E}">
-        <p14:creationId xmlns:p14="http://schemas.microsoft.com/office/powerpoint/2010/main" val="1027708139"/>
+        <p14:creationId xmlns:p14="http://schemas.microsoft.com/office/powerpoint/2010/main" val="3980591783"/>
       </p:ext>
     </p:extLst>
   </p:cSld>
@@ -5331,11 +5434,7 @@
           <a:bodyPr/>
           <a:lstStyle/>
           <a:p>
-            <a:r>
-              <a:rPr lang="en-US" altLang="zh-TW" dirty="0" smtClean="0"/>
-              <a:t>web3D killer application</a:t>
-            </a:r>
-            <a:endParaRPr lang="zh-TW" altLang="en-US" dirty="0"/>
+            <a:endParaRPr lang="zh-TW" altLang="en-US"/>
           </a:p>
         </p:txBody>
       </p:sp>
@@ -5354,82 +5453,38 @@
           <a:bodyPr/>
           <a:lstStyle/>
           <a:p>
-            <a:r>
-              <a:rPr lang="en-US" altLang="zh-TW" dirty="0"/>
-              <a:t>initially the idea to fully display and navigate Web sites using </a:t>
-            </a:r>
-            <a:r>
-              <a:rPr lang="en-US" altLang="zh-TW" dirty="0" smtClean="0"/>
-              <a:t>3D</a:t>
-            </a:r>
-          </a:p>
-          <a:p>
-            <a:r>
-              <a:rPr lang="en-US" altLang="zh-TW" dirty="0"/>
-              <a:t>now refers to all interactive 3D content which are embedded into web pages </a:t>
-            </a:r>
-            <a:r>
-              <a:rPr lang="en-US" altLang="zh-TW" dirty="0">
-                <a:hlinkClick r:id="rId2" tooltip="Html"/>
-              </a:rPr>
-              <a:t>html</a:t>
-            </a:r>
-            <a:r>
-              <a:rPr lang="en-US" altLang="zh-TW" dirty="0"/>
-              <a:t>, and that we can see </a:t>
-            </a:r>
-            <a:r>
-              <a:rPr lang="en-US" altLang="zh-TW" dirty="0" smtClean="0"/>
-              <a:t>through </a:t>
-            </a:r>
-            <a:r>
-              <a:rPr lang="en-US" altLang="zh-TW" dirty="0"/>
-              <a:t>a web </a:t>
-            </a:r>
-            <a:r>
-              <a:rPr lang="en-US" altLang="zh-TW" dirty="0" smtClean="0"/>
-              <a:t>browser</a:t>
-            </a:r>
-          </a:p>
-          <a:p>
-            <a:r>
-              <a:rPr lang="en-US" altLang="zh-TW" dirty="0"/>
-              <a:t>Web3d consortium: </a:t>
-            </a:r>
-            <a:r>
-              <a:rPr lang="en-US" altLang="zh-TW" dirty="0">
-                <a:hlinkClick r:id="rId3"/>
-              </a:rPr>
-              <a:t>http://</a:t>
-            </a:r>
-            <a:r>
-              <a:rPr lang="en-US" altLang="zh-TW" dirty="0" smtClean="0">
-                <a:hlinkClick r:id="rId3"/>
-              </a:rPr>
-              <a:t>web3d2013.org/program.html</a:t>
-            </a:r>
-            <a:endParaRPr lang="en-US" altLang="zh-TW" dirty="0" smtClean="0"/>
-          </a:p>
-          <a:p>
-            <a:r>
-              <a:rPr lang="en-US" altLang="zh-TW" dirty="0" smtClean="0"/>
-              <a:t>X3d, </a:t>
-            </a:r>
-            <a:r>
-              <a:rPr lang="en-US" altLang="zh-TW" dirty="0" err="1" smtClean="0"/>
-              <a:t>webgl</a:t>
-            </a:r>
-            <a:endParaRPr lang="en-US" altLang="zh-TW" dirty="0" smtClean="0"/>
-          </a:p>
-          <a:p>
-            <a:endParaRPr lang="zh-TW" altLang="en-US" dirty="0"/>
-          </a:p>
-        </p:txBody>
-      </p:sp>
+            <a:endParaRPr lang="zh-TW" altLang="en-US"/>
+          </a:p>
+        </p:txBody>
+      </p:sp>
+      <p:pic>
+        <p:nvPicPr>
+          <p:cNvPr id="4" name="圖片 3"/>
+          <p:cNvPicPr>
+            <a:picLocks noChangeAspect="1"/>
+          </p:cNvPicPr>
+          <p:nvPr/>
+        </p:nvPicPr>
+        <p:blipFill>
+          <a:blip r:embed="rId2"/>
+          <a:stretch>
+            <a:fillRect/>
+          </a:stretch>
+        </p:blipFill>
+        <p:spPr>
+          <a:xfrm>
+            <a:off x="1504950" y="685800"/>
+            <a:ext cx="6134100" cy="5486400"/>
+          </a:xfrm>
+          <a:prstGeom prst="rect">
+            <a:avLst/>
+          </a:prstGeom>
+        </p:spPr>
+      </p:pic>
     </p:spTree>
     <p:extLst>
       <p:ext uri="{BB962C8B-B14F-4D97-AF65-F5344CB8AC3E}">
-        <p14:creationId xmlns:p14="http://schemas.microsoft.com/office/powerpoint/2010/main" val="3406205466"/>
+        <p14:creationId xmlns:p14="http://schemas.microsoft.com/office/powerpoint/2010/main" val="2363574383"/>
       </p:ext>
     </p:extLst>
   </p:cSld>
@@ -5490,6 +5545,676 @@
           <a:bodyPr/>
           <a:lstStyle/>
           <a:p>
+            <a:endParaRPr lang="zh-TW" altLang="en-US"/>
+          </a:p>
+        </p:txBody>
+      </p:sp>
+      <p:pic>
+        <p:nvPicPr>
+          <p:cNvPr id="5" name="圖片 4"/>
+          <p:cNvPicPr>
+            <a:picLocks noChangeAspect="1"/>
+          </p:cNvPicPr>
+          <p:nvPr/>
+        </p:nvPicPr>
+        <p:blipFill>
+          <a:blip r:embed="rId2"/>
+          <a:stretch>
+            <a:fillRect/>
+          </a:stretch>
+        </p:blipFill>
+        <p:spPr>
+          <a:xfrm>
+            <a:off x="-557213" y="971550"/>
+            <a:ext cx="10258425" cy="4914900"/>
+          </a:xfrm>
+          <a:prstGeom prst="rect">
+            <a:avLst/>
+          </a:prstGeom>
+        </p:spPr>
+      </p:pic>
+    </p:spTree>
+    <p:extLst>
+      <p:ext uri="{BB962C8B-B14F-4D97-AF65-F5344CB8AC3E}">
+        <p14:creationId xmlns:p14="http://schemas.microsoft.com/office/powerpoint/2010/main" val="1656841902"/>
+      </p:ext>
+    </p:extLst>
+  </p:cSld>
+  <p:clrMapOvr>
+    <a:masterClrMapping/>
+  </p:clrMapOvr>
+</p:sld>
+</file>
+
+<file path=ppt/slides/slide29.xml><?xml version="1.0" encoding="utf-8"?>
+<p:sld xmlns:a="http://schemas.openxmlformats.org/drawingml/2006/main" xmlns:r="http://schemas.openxmlformats.org/officeDocument/2006/relationships" xmlns:p="http://schemas.openxmlformats.org/presentationml/2006/main">
+  <p:cSld>
+    <p:spTree>
+      <p:nvGrpSpPr>
+        <p:cNvPr id="1" name=""/>
+        <p:cNvGrpSpPr/>
+        <p:nvPr/>
+      </p:nvGrpSpPr>
+      <p:grpSpPr>
+        <a:xfrm>
+          <a:off x="0" y="0"/>
+          <a:ext cx="0" cy="0"/>
+          <a:chOff x="0" y="0"/>
+          <a:chExt cx="0" cy="0"/>
+        </a:xfrm>
+      </p:grpSpPr>
+      <p:sp>
+        <p:nvSpPr>
+          <p:cNvPr id="2" name="標題 1"/>
+          <p:cNvSpPr>
+            <a:spLocks noGrp="1"/>
+          </p:cNvSpPr>
+          <p:nvPr>
+            <p:ph type="title"/>
+          </p:nvPr>
+        </p:nvSpPr>
+        <p:spPr/>
+        <p:txBody>
+          <a:bodyPr/>
+          <a:lstStyle/>
+          <a:p>
+            <a:endParaRPr lang="zh-TW" altLang="en-US"/>
+          </a:p>
+        </p:txBody>
+      </p:sp>
+      <p:sp>
+        <p:nvSpPr>
+          <p:cNvPr id="3" name="內容版面配置區 2"/>
+          <p:cNvSpPr>
+            <a:spLocks noGrp="1"/>
+          </p:cNvSpPr>
+          <p:nvPr>
+            <p:ph idx="1"/>
+          </p:nvPr>
+        </p:nvSpPr>
+        <p:spPr/>
+        <p:txBody>
+          <a:bodyPr/>
+          <a:lstStyle/>
+          <a:p>
+            <a:endParaRPr lang="zh-TW" altLang="en-US"/>
+          </a:p>
+        </p:txBody>
+      </p:sp>
+      <p:pic>
+        <p:nvPicPr>
+          <p:cNvPr id="4" name="圖片 3"/>
+          <p:cNvPicPr>
+            <a:picLocks noChangeAspect="1"/>
+          </p:cNvPicPr>
+          <p:nvPr/>
+        </p:nvPicPr>
+        <p:blipFill>
+          <a:blip r:embed="rId2"/>
+          <a:stretch>
+            <a:fillRect/>
+          </a:stretch>
+        </p:blipFill>
+        <p:spPr>
+          <a:xfrm>
+            <a:off x="-971550" y="838200"/>
+            <a:ext cx="11087100" cy="5181600"/>
+          </a:xfrm>
+          <a:prstGeom prst="rect">
+            <a:avLst/>
+          </a:prstGeom>
+        </p:spPr>
+      </p:pic>
+    </p:spTree>
+    <p:extLst>
+      <p:ext uri="{BB962C8B-B14F-4D97-AF65-F5344CB8AC3E}">
+        <p14:creationId xmlns:p14="http://schemas.microsoft.com/office/powerpoint/2010/main" val="424221742"/>
+      </p:ext>
+    </p:extLst>
+  </p:cSld>
+  <p:clrMapOvr>
+    <a:masterClrMapping/>
+  </p:clrMapOvr>
+</p:sld>
+</file>
+
+<file path=ppt/slides/slide3.xml><?xml version="1.0" encoding="utf-8"?>
+<p:sld xmlns:a="http://schemas.openxmlformats.org/drawingml/2006/main" xmlns:r="http://schemas.openxmlformats.org/officeDocument/2006/relationships" xmlns:p="http://schemas.openxmlformats.org/presentationml/2006/main">
+  <p:cSld>
+    <p:spTree>
+      <p:nvGrpSpPr>
+        <p:cNvPr id="1" name=""/>
+        <p:cNvGrpSpPr/>
+        <p:nvPr/>
+      </p:nvGrpSpPr>
+      <p:grpSpPr>
+        <a:xfrm>
+          <a:off x="0" y="0"/>
+          <a:ext cx="0" cy="0"/>
+          <a:chOff x="0" y="0"/>
+          <a:chExt cx="0" cy="0"/>
+        </a:xfrm>
+      </p:grpSpPr>
+      <p:sp>
+        <p:nvSpPr>
+          <p:cNvPr id="2" name="標題 1"/>
+          <p:cNvSpPr>
+            <a:spLocks noGrp="1"/>
+          </p:cNvSpPr>
+          <p:nvPr>
+            <p:ph type="title"/>
+          </p:nvPr>
+        </p:nvSpPr>
+        <p:spPr/>
+        <p:txBody>
+          <a:bodyPr/>
+          <a:lstStyle/>
+          <a:p>
+            <a:r>
+              <a:rPr lang="en-US" altLang="zh-TW" dirty="0" err="1" smtClean="0"/>
+              <a:t>Tuts</a:t>
+            </a:r>
+            <a:r>
+              <a:rPr lang="en-US" altLang="zh-TW" dirty="0" smtClean="0"/>
+              <a:t> </a:t>
+            </a:r>
+            <a:r>
+              <a:rPr lang="en-US" altLang="zh-TW" dirty="0" smtClean="0"/>
+              <a:t>S-0</a:t>
+            </a:r>
+            <a:endParaRPr lang="zh-TW" altLang="en-US" dirty="0"/>
+          </a:p>
+        </p:txBody>
+      </p:sp>
+      <p:sp>
+        <p:nvSpPr>
+          <p:cNvPr id="3" name="內容版面配置區 2"/>
+          <p:cNvSpPr>
+            <a:spLocks noGrp="1"/>
+          </p:cNvSpPr>
+          <p:nvPr>
+            <p:ph idx="1"/>
+          </p:nvPr>
+        </p:nvSpPr>
+        <p:spPr/>
+        <p:txBody>
+          <a:bodyPr/>
+          <a:lstStyle/>
+          <a:p>
+            <a:r>
+              <a:rPr lang="en-US" altLang="zh-TW" dirty="0" err="1" smtClean="0"/>
+              <a:t>Shader</a:t>
+            </a:r>
+            <a:r>
+              <a:rPr lang="en-US" altLang="zh-TW" dirty="0" smtClean="0"/>
+              <a:t> version: 150?! (still </a:t>
+            </a:r>
+            <a:r>
+              <a:rPr lang="en-US" altLang="zh-TW" dirty="0" err="1" smtClean="0"/>
+              <a:t>oldschool</a:t>
+            </a:r>
+            <a:r>
+              <a:rPr lang="en-US" altLang="zh-TW" dirty="0" smtClean="0"/>
+              <a:t>, with some modification towards 330)</a:t>
+            </a:r>
+          </a:p>
+          <a:p>
+            <a:r>
+              <a:rPr lang="en-US" altLang="zh-TW" dirty="0" err="1" smtClean="0"/>
+              <a:t>Shader</a:t>
+            </a:r>
+            <a:r>
+              <a:rPr lang="en-US" altLang="zh-TW" dirty="0" smtClean="0"/>
+              <a:t> material</a:t>
+            </a:r>
+          </a:p>
+          <a:p>
+            <a:r>
+              <a:rPr lang="en-US" altLang="zh-TW" dirty="0" err="1" smtClean="0"/>
+              <a:t>Toon</a:t>
+            </a:r>
+            <a:r>
+              <a:rPr lang="en-US" altLang="zh-TW" dirty="0" smtClean="0"/>
+              <a:t> shading</a:t>
+            </a:r>
+          </a:p>
+          <a:p>
+            <a:r>
+              <a:rPr lang="en-US" altLang="zh-TW" dirty="0" smtClean="0"/>
+              <a:t>Teapots, some JSON models</a:t>
+            </a:r>
+            <a:endParaRPr lang="zh-TW" altLang="en-US" dirty="0"/>
+          </a:p>
+        </p:txBody>
+      </p:sp>
+      <p:sp>
+        <p:nvSpPr>
+          <p:cNvPr id="4" name="矩形 3"/>
+          <p:cNvSpPr/>
+          <p:nvPr/>
+        </p:nvSpPr>
+        <p:spPr>
+          <a:xfrm>
+            <a:off x="876300" y="4591735"/>
+            <a:ext cx="6756400" cy="923330"/>
+          </a:xfrm>
+          <a:prstGeom prst="rect">
+            <a:avLst/>
+          </a:prstGeom>
+        </p:spPr>
+        <p:txBody>
+          <a:bodyPr wrap="square">
+            <a:spAutoFit/>
+          </a:bodyPr>
+          <a:lstStyle/>
+          <a:p>
+            <a:r>
+              <a:rPr lang="en-US" altLang="zh-TW" u="sng" dirty="0" smtClean="0">
+                <a:hlinkClick r:id="rId2"/>
+              </a:rPr>
+              <a:t>Contains some </a:t>
+            </a:r>
+            <a:r>
+              <a:rPr lang="en-US" altLang="zh-TW" u="sng" dirty="0" err="1" smtClean="0">
+                <a:hlinkClick r:id="rId2"/>
+              </a:rPr>
+              <a:t>shader</a:t>
+            </a:r>
+            <a:r>
+              <a:rPr lang="en-US" altLang="zh-TW" u="sng" dirty="0" smtClean="0">
+                <a:hlinkClick r:id="rId2"/>
+              </a:rPr>
+              <a:t> passes (</a:t>
+            </a:r>
+            <a:r>
+              <a:rPr lang="en-US" altLang="zh-TW" u="sng" dirty="0" err="1" smtClean="0">
+                <a:hlinkClick r:id="rId2"/>
+              </a:rPr>
+              <a:t>js</a:t>
+            </a:r>
+            <a:r>
+              <a:rPr lang="en-US" altLang="zh-TW" u="sng" dirty="0" smtClean="0">
+                <a:hlinkClick r:id="rId2"/>
+              </a:rPr>
+              <a:t>):</a:t>
+            </a:r>
+          </a:p>
+          <a:p>
+            <a:r>
+              <a:rPr lang="zh-TW" altLang="en-US" dirty="0" smtClean="0">
+                <a:hlinkClick r:id="rId2"/>
+              </a:rPr>
+              <a:t>http</a:t>
+            </a:r>
+            <a:r>
+              <a:rPr lang="zh-TW" altLang="en-US" dirty="0">
+                <a:hlinkClick r:id="rId2"/>
+              </a:rPr>
+              <a:t>://joshondesign.com/p/books/canvasdeepdive/chapter10</a:t>
+            </a:r>
+            <a:r>
+              <a:rPr lang="zh-TW" altLang="en-US" dirty="0" smtClean="0">
+                <a:hlinkClick r:id="rId2"/>
+              </a:rPr>
+              <a:t>.html</a:t>
+            </a:r>
+            <a:endParaRPr lang="en-US" altLang="zh-TW" dirty="0" smtClean="0"/>
+          </a:p>
+          <a:p>
+            <a:endParaRPr lang="zh-TW" altLang="en-US" dirty="0"/>
+          </a:p>
+        </p:txBody>
+      </p:sp>
+      <p:sp>
+        <p:nvSpPr>
+          <p:cNvPr id="5" name="矩形 4"/>
+          <p:cNvSpPr/>
+          <p:nvPr/>
+        </p:nvSpPr>
+        <p:spPr>
+          <a:xfrm>
+            <a:off x="381000" y="5524967"/>
+            <a:ext cx="8280400" cy="646331"/>
+          </a:xfrm>
+          <a:prstGeom prst="rect">
+            <a:avLst/>
+          </a:prstGeom>
+        </p:spPr>
+        <p:txBody>
+          <a:bodyPr wrap="square">
+            <a:spAutoFit/>
+          </a:bodyPr>
+          <a:lstStyle/>
+          <a:p>
+            <a:r>
+              <a:rPr lang="zh-TW" altLang="en-US" dirty="0">
+                <a:hlinkClick r:id="rId3"/>
+              </a:rPr>
+              <a:t>http://www.realtimerendering.com/erich/udacity/exercises/unit3_toon_solution</a:t>
+            </a:r>
+            <a:r>
+              <a:rPr lang="zh-TW" altLang="en-US" dirty="0" smtClean="0">
+                <a:hlinkClick r:id="rId3"/>
+              </a:rPr>
+              <a:t>.html</a:t>
+            </a:r>
+            <a:endParaRPr lang="en-US" altLang="zh-TW" dirty="0" smtClean="0"/>
+          </a:p>
+          <a:p>
+            <a:endParaRPr lang="zh-TW" altLang="en-US" dirty="0"/>
+          </a:p>
+        </p:txBody>
+      </p:sp>
+    </p:spTree>
+    <p:extLst>
+      <p:ext uri="{BB962C8B-B14F-4D97-AF65-F5344CB8AC3E}">
+        <p14:creationId xmlns:p14="http://schemas.microsoft.com/office/powerpoint/2010/main" val="2366206494"/>
+      </p:ext>
+    </p:extLst>
+  </p:cSld>
+  <p:clrMapOvr>
+    <a:masterClrMapping/>
+  </p:clrMapOvr>
+  <p:timing>
+    <p:tnLst>
+      <p:par>
+        <p:cTn id="1" dur="indefinite" restart="never" nodeType="tmRoot"/>
+      </p:par>
+    </p:tnLst>
+  </p:timing>
+</p:sld>
+</file>
+
+<file path=ppt/slides/slide30.xml><?xml version="1.0" encoding="utf-8"?>
+<p:sld xmlns:a="http://schemas.openxmlformats.org/drawingml/2006/main" xmlns:r="http://schemas.openxmlformats.org/officeDocument/2006/relationships" xmlns:p="http://schemas.openxmlformats.org/presentationml/2006/main">
+  <p:cSld>
+    <p:spTree>
+      <p:nvGrpSpPr>
+        <p:cNvPr id="1" name=""/>
+        <p:cNvGrpSpPr/>
+        <p:nvPr/>
+      </p:nvGrpSpPr>
+      <p:grpSpPr>
+        <a:xfrm>
+          <a:off x="0" y="0"/>
+          <a:ext cx="0" cy="0"/>
+          <a:chOff x="0" y="0"/>
+          <a:chExt cx="0" cy="0"/>
+        </a:xfrm>
+      </p:grpSpPr>
+      <p:sp>
+        <p:nvSpPr>
+          <p:cNvPr id="2" name="標題 1"/>
+          <p:cNvSpPr>
+            <a:spLocks noGrp="1"/>
+          </p:cNvSpPr>
+          <p:nvPr>
+            <p:ph type="title"/>
+          </p:nvPr>
+        </p:nvSpPr>
+        <p:spPr/>
+        <p:txBody>
+          <a:bodyPr/>
+          <a:lstStyle/>
+          <a:p>
+            <a:r>
+              <a:rPr lang="en-US" altLang="zh-TW" dirty="0" smtClean="0"/>
+              <a:t>Bump map</a:t>
+            </a:r>
+            <a:endParaRPr lang="zh-TW" altLang="en-US" dirty="0"/>
+          </a:p>
+        </p:txBody>
+      </p:sp>
+      <p:sp>
+        <p:nvSpPr>
+          <p:cNvPr id="3" name="內容版面配置區 2"/>
+          <p:cNvSpPr>
+            <a:spLocks noGrp="1"/>
+          </p:cNvSpPr>
+          <p:nvPr>
+            <p:ph idx="1"/>
+          </p:nvPr>
+        </p:nvSpPr>
+        <p:spPr/>
+        <p:txBody>
+          <a:bodyPr/>
+          <a:lstStyle/>
+          <a:p>
+            <a:r>
+              <a:rPr lang="en-US" altLang="zh-TW" dirty="0" smtClean="0"/>
+              <a:t>How </a:t>
+            </a:r>
+            <a:r>
+              <a:rPr lang="en-US" altLang="zh-TW" dirty="0" err="1" smtClean="0"/>
+              <a:t>threejs</a:t>
+            </a:r>
+            <a:r>
+              <a:rPr lang="en-US" altLang="zh-TW" dirty="0" smtClean="0"/>
+              <a:t> implements bump map?</a:t>
+            </a:r>
+          </a:p>
+          <a:p>
+            <a:pPr lvl="1"/>
+            <a:r>
+              <a:rPr lang="en-US" altLang="zh-TW" dirty="0" smtClean="0"/>
+              <a:t>Pretty good outcome, </a:t>
+            </a:r>
+            <a:r>
+              <a:rPr lang="en-US" altLang="zh-TW" dirty="0" err="1" smtClean="0"/>
+              <a:t>rgb</a:t>
+            </a:r>
+            <a:r>
+              <a:rPr lang="en-US" altLang="zh-TW" dirty="0" smtClean="0"/>
+              <a:t> map, …</a:t>
+            </a:r>
+            <a:endParaRPr lang="zh-TW" altLang="en-US" dirty="0"/>
+          </a:p>
+        </p:txBody>
+      </p:sp>
+    </p:spTree>
+    <p:extLst>
+      <p:ext uri="{BB962C8B-B14F-4D97-AF65-F5344CB8AC3E}">
+        <p14:creationId xmlns:p14="http://schemas.microsoft.com/office/powerpoint/2010/main" val="1027708139"/>
+      </p:ext>
+    </p:extLst>
+  </p:cSld>
+  <p:clrMapOvr>
+    <a:masterClrMapping/>
+  </p:clrMapOvr>
+</p:sld>
+</file>
+
+<file path=ppt/slides/slide31.xml><?xml version="1.0" encoding="utf-8"?>
+<p:sld xmlns:a="http://schemas.openxmlformats.org/drawingml/2006/main" xmlns:r="http://schemas.openxmlformats.org/officeDocument/2006/relationships" xmlns:p="http://schemas.openxmlformats.org/presentationml/2006/main">
+  <p:cSld>
+    <p:spTree>
+      <p:nvGrpSpPr>
+        <p:cNvPr id="1" name=""/>
+        <p:cNvGrpSpPr/>
+        <p:nvPr/>
+      </p:nvGrpSpPr>
+      <p:grpSpPr>
+        <a:xfrm>
+          <a:off x="0" y="0"/>
+          <a:ext cx="0" cy="0"/>
+          <a:chOff x="0" y="0"/>
+          <a:chExt cx="0" cy="0"/>
+        </a:xfrm>
+      </p:grpSpPr>
+      <p:sp>
+        <p:nvSpPr>
+          <p:cNvPr id="2" name="標題 1"/>
+          <p:cNvSpPr>
+            <a:spLocks noGrp="1"/>
+          </p:cNvSpPr>
+          <p:nvPr>
+            <p:ph type="title"/>
+          </p:nvPr>
+        </p:nvSpPr>
+        <p:spPr/>
+        <p:txBody>
+          <a:bodyPr/>
+          <a:lstStyle/>
+          <a:p>
+            <a:r>
+              <a:rPr lang="en-US" altLang="zh-TW" dirty="0" smtClean="0"/>
+              <a:t>web3D killer application</a:t>
+            </a:r>
+            <a:endParaRPr lang="zh-TW" altLang="en-US" dirty="0"/>
+          </a:p>
+        </p:txBody>
+      </p:sp>
+      <p:sp>
+        <p:nvSpPr>
+          <p:cNvPr id="3" name="內容版面配置區 2"/>
+          <p:cNvSpPr>
+            <a:spLocks noGrp="1"/>
+          </p:cNvSpPr>
+          <p:nvPr>
+            <p:ph idx="1"/>
+          </p:nvPr>
+        </p:nvSpPr>
+        <p:spPr/>
+        <p:txBody>
+          <a:bodyPr/>
+          <a:lstStyle/>
+          <a:p>
+            <a:r>
+              <a:rPr lang="en-US" altLang="zh-TW" dirty="0"/>
+              <a:t>initially the idea to fully display and navigate Web sites using </a:t>
+            </a:r>
+            <a:r>
+              <a:rPr lang="en-US" altLang="zh-TW" dirty="0" smtClean="0"/>
+              <a:t>3D</a:t>
+            </a:r>
+          </a:p>
+          <a:p>
+            <a:r>
+              <a:rPr lang="en-US" altLang="zh-TW" dirty="0"/>
+              <a:t>now refers to all interactive 3D content which are embedded into web pages </a:t>
+            </a:r>
+            <a:r>
+              <a:rPr lang="en-US" altLang="zh-TW" dirty="0">
+                <a:hlinkClick r:id="rId2" tooltip="Html"/>
+              </a:rPr>
+              <a:t>html</a:t>
+            </a:r>
+            <a:r>
+              <a:rPr lang="en-US" altLang="zh-TW" dirty="0"/>
+              <a:t>, and that we can see </a:t>
+            </a:r>
+            <a:r>
+              <a:rPr lang="en-US" altLang="zh-TW" dirty="0" smtClean="0"/>
+              <a:t>through </a:t>
+            </a:r>
+            <a:r>
+              <a:rPr lang="en-US" altLang="zh-TW" dirty="0"/>
+              <a:t>a web </a:t>
+            </a:r>
+            <a:r>
+              <a:rPr lang="en-US" altLang="zh-TW" dirty="0" smtClean="0"/>
+              <a:t>browser</a:t>
+            </a:r>
+          </a:p>
+          <a:p>
+            <a:r>
+              <a:rPr lang="en-US" altLang="zh-TW" dirty="0"/>
+              <a:t>Web3d consortium: </a:t>
+            </a:r>
+            <a:r>
+              <a:rPr lang="en-US" altLang="zh-TW" dirty="0">
+                <a:hlinkClick r:id="rId3"/>
+              </a:rPr>
+              <a:t>http://</a:t>
+            </a:r>
+            <a:r>
+              <a:rPr lang="en-US" altLang="zh-TW" dirty="0" smtClean="0">
+                <a:hlinkClick r:id="rId3"/>
+              </a:rPr>
+              <a:t>web3d2013.org/program.html</a:t>
+            </a:r>
+            <a:endParaRPr lang="en-US" altLang="zh-TW" dirty="0" smtClean="0"/>
+          </a:p>
+          <a:p>
+            <a:r>
+              <a:rPr lang="en-US" altLang="zh-TW" dirty="0" smtClean="0"/>
+              <a:t>X3d, </a:t>
+            </a:r>
+            <a:r>
+              <a:rPr lang="en-US" altLang="zh-TW" dirty="0" err="1" smtClean="0"/>
+              <a:t>webgl</a:t>
+            </a:r>
+            <a:endParaRPr lang="en-US" altLang="zh-TW" dirty="0" smtClean="0"/>
+          </a:p>
+          <a:p>
+            <a:endParaRPr lang="zh-TW" altLang="en-US" dirty="0"/>
+          </a:p>
+        </p:txBody>
+      </p:sp>
+    </p:spTree>
+    <p:extLst>
+      <p:ext uri="{BB962C8B-B14F-4D97-AF65-F5344CB8AC3E}">
+        <p14:creationId xmlns:p14="http://schemas.microsoft.com/office/powerpoint/2010/main" val="3406205466"/>
+      </p:ext>
+    </p:extLst>
+  </p:cSld>
+  <p:clrMapOvr>
+    <a:masterClrMapping/>
+  </p:clrMapOvr>
+</p:sld>
+</file>
+
+<file path=ppt/slides/slide32.xml><?xml version="1.0" encoding="utf-8"?>
+<p:sld xmlns:a="http://schemas.openxmlformats.org/drawingml/2006/main" xmlns:r="http://schemas.openxmlformats.org/officeDocument/2006/relationships" xmlns:p="http://schemas.openxmlformats.org/presentationml/2006/main">
+  <p:cSld>
+    <p:spTree>
+      <p:nvGrpSpPr>
+        <p:cNvPr id="1" name=""/>
+        <p:cNvGrpSpPr/>
+        <p:nvPr/>
+      </p:nvGrpSpPr>
+      <p:grpSpPr>
+        <a:xfrm>
+          <a:off x="0" y="0"/>
+          <a:ext cx="0" cy="0"/>
+          <a:chOff x="0" y="0"/>
+          <a:chExt cx="0" cy="0"/>
+        </a:xfrm>
+      </p:grpSpPr>
+      <p:sp>
+        <p:nvSpPr>
+          <p:cNvPr id="2" name="標題 1"/>
+          <p:cNvSpPr>
+            <a:spLocks noGrp="1"/>
+          </p:cNvSpPr>
+          <p:nvPr>
+            <p:ph type="title"/>
+          </p:nvPr>
+        </p:nvSpPr>
+        <p:spPr/>
+        <p:txBody>
+          <a:bodyPr/>
+          <a:lstStyle/>
+          <a:p>
+            <a:endParaRPr lang="zh-TW" altLang="en-US"/>
+          </a:p>
+        </p:txBody>
+      </p:sp>
+      <p:sp>
+        <p:nvSpPr>
+          <p:cNvPr id="3" name="內容版面配置區 2"/>
+          <p:cNvSpPr>
+            <a:spLocks noGrp="1"/>
+          </p:cNvSpPr>
+          <p:nvPr>
+            <p:ph idx="1"/>
+          </p:nvPr>
+        </p:nvSpPr>
+        <p:spPr/>
+        <p:txBody>
+          <a:bodyPr/>
+          <a:lstStyle/>
+          <a:p>
             <a:r>
               <a:rPr lang="en-US" altLang="zh-TW" dirty="0" err="1" smtClean="0"/>
               <a:t>Vrml</a:t>
@@ -5515,7 +6240,7 @@
 </p:sld>
 </file>
 
-<file path=ppt/slides/slide29.xml><?xml version="1.0" encoding="utf-8"?>
+<file path=ppt/slides/slide33.xml><?xml version="1.0" encoding="utf-8"?>
 <p:sld xmlns:a="http://schemas.openxmlformats.org/drawingml/2006/main" xmlns:r="http://schemas.openxmlformats.org/officeDocument/2006/relationships" xmlns:p="http://schemas.openxmlformats.org/presentationml/2006/main">
   <p:cSld>
     <p:spTree>
@@ -5683,250 +6408,7 @@
 </p:sld>
 </file>
 
-<file path=ppt/slides/slide3.xml><?xml version="1.0" encoding="utf-8"?>
-<p:sld xmlns:a="http://schemas.openxmlformats.org/drawingml/2006/main" xmlns:r="http://schemas.openxmlformats.org/officeDocument/2006/relationships" xmlns:p="http://schemas.openxmlformats.org/presentationml/2006/main">
-  <p:cSld>
-    <p:spTree>
-      <p:nvGrpSpPr>
-        <p:cNvPr id="1" name=""/>
-        <p:cNvGrpSpPr/>
-        <p:nvPr/>
-      </p:nvGrpSpPr>
-      <p:grpSpPr>
-        <a:xfrm>
-          <a:off x="0" y="0"/>
-          <a:ext cx="0" cy="0"/>
-          <a:chOff x="0" y="0"/>
-          <a:chExt cx="0" cy="0"/>
-        </a:xfrm>
-      </p:grpSpPr>
-      <p:sp>
-        <p:nvSpPr>
-          <p:cNvPr id="2" name="標題 1"/>
-          <p:cNvSpPr>
-            <a:spLocks noGrp="1"/>
-          </p:cNvSpPr>
-          <p:nvPr>
-            <p:ph type="title"/>
-          </p:nvPr>
-        </p:nvSpPr>
-        <p:spPr/>
-        <p:txBody>
-          <a:bodyPr/>
-          <a:lstStyle/>
-          <a:p>
-            <a:r>
-              <a:rPr lang="en-US" altLang="zh-TW" dirty="0" err="1" smtClean="0"/>
-              <a:t>Tuts</a:t>
-            </a:r>
-            <a:r>
-              <a:rPr lang="en-US" altLang="zh-TW" smtClean="0"/>
-              <a:t> 2x</a:t>
-            </a:r>
-            <a:endParaRPr lang="zh-TW" altLang="en-US" dirty="0"/>
-          </a:p>
-        </p:txBody>
-      </p:sp>
-      <p:sp>
-        <p:nvSpPr>
-          <p:cNvPr id="3" name="內容版面配置區 2"/>
-          <p:cNvSpPr>
-            <a:spLocks noGrp="1"/>
-          </p:cNvSpPr>
-          <p:nvPr>
-            <p:ph idx="1"/>
-          </p:nvPr>
-        </p:nvSpPr>
-        <p:spPr/>
-        <p:txBody>
-          <a:bodyPr/>
-          <a:lstStyle/>
-          <a:p>
-            <a:r>
-              <a:rPr lang="en-US" altLang="zh-TW" dirty="0" err="1" smtClean="0"/>
-              <a:t>Shader</a:t>
-            </a:r>
-            <a:r>
-              <a:rPr lang="en-US" altLang="zh-TW" dirty="0" smtClean="0"/>
-              <a:t> version: 150?! (still </a:t>
-            </a:r>
-            <a:r>
-              <a:rPr lang="en-US" altLang="zh-TW" dirty="0" err="1" smtClean="0"/>
-              <a:t>oldschool</a:t>
-            </a:r>
-            <a:r>
-              <a:rPr lang="en-US" altLang="zh-TW" dirty="0" smtClean="0"/>
-              <a:t>, with some modification towards 330)</a:t>
-            </a:r>
-          </a:p>
-          <a:p>
-            <a:r>
-              <a:rPr lang="en-US" altLang="zh-TW" dirty="0" err="1" smtClean="0"/>
-              <a:t>Shader</a:t>
-            </a:r>
-            <a:r>
-              <a:rPr lang="en-US" altLang="zh-TW" dirty="0" smtClean="0"/>
-              <a:t> material</a:t>
-            </a:r>
-          </a:p>
-          <a:p>
-            <a:r>
-              <a:rPr lang="en-US" altLang="zh-TW" dirty="0" err="1" smtClean="0"/>
-              <a:t>Toon</a:t>
-            </a:r>
-            <a:r>
-              <a:rPr lang="en-US" altLang="zh-TW" dirty="0" smtClean="0"/>
-              <a:t> shading</a:t>
-            </a:r>
-          </a:p>
-          <a:p>
-            <a:r>
-              <a:rPr lang="en-US" altLang="zh-TW" dirty="0" smtClean="0"/>
-              <a:t>Teapots, some JSON models</a:t>
-            </a:r>
-            <a:endParaRPr lang="zh-TW" altLang="en-US" dirty="0"/>
-          </a:p>
-        </p:txBody>
-      </p:sp>
-      <p:sp>
-        <p:nvSpPr>
-          <p:cNvPr id="4" name="矩形 3"/>
-          <p:cNvSpPr/>
-          <p:nvPr/>
-        </p:nvSpPr>
-        <p:spPr>
-          <a:xfrm>
-            <a:off x="876300" y="4591735"/>
-            <a:ext cx="6756400" cy="923330"/>
-          </a:xfrm>
-          <a:prstGeom prst="rect">
-            <a:avLst/>
-          </a:prstGeom>
-        </p:spPr>
-        <p:txBody>
-          <a:bodyPr wrap="square">
-            <a:spAutoFit/>
-          </a:bodyPr>
-          <a:lstStyle/>
-          <a:p>
-            <a:r>
-              <a:rPr lang="en-US" altLang="zh-TW" u="sng" dirty="0" smtClean="0">
-                <a:hlinkClick r:id="rId2"/>
-              </a:rPr>
-              <a:t>Contains some </a:t>
-            </a:r>
-            <a:r>
-              <a:rPr lang="en-US" altLang="zh-TW" u="sng" dirty="0" err="1" smtClean="0">
-                <a:hlinkClick r:id="rId2"/>
-              </a:rPr>
-              <a:t>shader</a:t>
-            </a:r>
-            <a:r>
-              <a:rPr lang="en-US" altLang="zh-TW" u="sng" dirty="0" smtClean="0">
-                <a:hlinkClick r:id="rId2"/>
-              </a:rPr>
-              <a:t> passes (</a:t>
-            </a:r>
-            <a:r>
-              <a:rPr lang="en-US" altLang="zh-TW" u="sng" dirty="0" err="1" smtClean="0">
-                <a:hlinkClick r:id="rId2"/>
-              </a:rPr>
-              <a:t>js</a:t>
-            </a:r>
-            <a:r>
-              <a:rPr lang="en-US" altLang="zh-TW" u="sng" dirty="0" smtClean="0">
-                <a:hlinkClick r:id="rId2"/>
-              </a:rPr>
-              <a:t>):</a:t>
-            </a:r>
-          </a:p>
-          <a:p>
-            <a:r>
-              <a:rPr lang="zh-TW" altLang="en-US" dirty="0" smtClean="0">
-                <a:hlinkClick r:id="rId2"/>
-              </a:rPr>
-              <a:t>http</a:t>
-            </a:r>
-            <a:r>
-              <a:rPr lang="zh-TW" altLang="en-US" dirty="0">
-                <a:hlinkClick r:id="rId2"/>
-              </a:rPr>
-              <a:t>://joshondesign.com/p/books/canvasdeepdive/chapter10</a:t>
-            </a:r>
-            <a:r>
-              <a:rPr lang="zh-TW" altLang="en-US" dirty="0" smtClean="0">
-                <a:hlinkClick r:id="rId2"/>
-              </a:rPr>
-              <a:t>.html</a:t>
-            </a:r>
-            <a:endParaRPr lang="en-US" altLang="zh-TW" dirty="0" smtClean="0"/>
-          </a:p>
-          <a:p>
-            <a:endParaRPr lang="zh-TW" altLang="en-US" dirty="0"/>
-          </a:p>
-        </p:txBody>
-      </p:sp>
-      <p:sp>
-        <p:nvSpPr>
-          <p:cNvPr id="5" name="矩形 4"/>
-          <p:cNvSpPr/>
-          <p:nvPr/>
-        </p:nvSpPr>
-        <p:spPr>
-          <a:xfrm>
-            <a:off x="381000" y="5524967"/>
-            <a:ext cx="8280400" cy="646331"/>
-          </a:xfrm>
-          <a:prstGeom prst="rect">
-            <a:avLst/>
-          </a:prstGeom>
-        </p:spPr>
-        <p:txBody>
-          <a:bodyPr wrap="square">
-            <a:spAutoFit/>
-          </a:bodyPr>
-          <a:lstStyle/>
-          <a:p>
-            <a:r>
-              <a:rPr lang="zh-TW" altLang="en-US" dirty="0">
-                <a:hlinkClick r:id="rId3"/>
-              </a:rPr>
-              <a:t>http://www.realtimerendering.com/erich/udacity/exercises/unit3_toon_solution</a:t>
-            </a:r>
-            <a:r>
-              <a:rPr lang="zh-TW" altLang="en-US" dirty="0" smtClean="0">
-                <a:hlinkClick r:id="rId3"/>
-              </a:rPr>
-              <a:t>.html</a:t>
-            </a:r>
-            <a:endParaRPr lang="en-US" altLang="zh-TW" dirty="0" smtClean="0"/>
-          </a:p>
-          <a:p>
-            <a:endParaRPr lang="zh-TW" altLang="en-US" dirty="0"/>
-          </a:p>
-        </p:txBody>
-      </p:sp>
-    </p:spTree>
-    <p:extLst>
-      <p:ext uri="{BB962C8B-B14F-4D97-AF65-F5344CB8AC3E}">
-        <p14:creationId xmlns:p14="http://schemas.microsoft.com/office/powerpoint/2010/main" val="2366206494"/>
-      </p:ext>
-    </p:extLst>
-  </p:cSld>
-  <p:clrMapOvr>
-    <a:masterClrMapping/>
-  </p:clrMapOvr>
-  <p:timing>
-    <p:tnLst>
-      <p:par>
-        <p:cTn id="1" dur="indefinite" restart="never" nodeType="tmRoot"/>
-      </p:par>
-    </p:tnLst>
-  </p:timing>
-</p:sld>
-</file>
-
-<file path=ppt/slides/slide30.xml><?xml version="1.0" encoding="utf-8"?>
+<file path=ppt/slides/slide34.xml><?xml version="1.0" encoding="utf-8"?>
 <p:sld xmlns:a="http://schemas.openxmlformats.org/drawingml/2006/main" xmlns:r="http://schemas.openxmlformats.org/officeDocument/2006/relationships" xmlns:p="http://schemas.openxmlformats.org/presentationml/2006/main">
   <p:cSld>
     <p:spTree>
@@ -6088,7 +6570,7 @@
 </p:sld>
 </file>
 
-<file path=ppt/slides/slide31.xml><?xml version="1.0" encoding="utf-8"?>
+<file path=ppt/slides/slide35.xml><?xml version="1.0" encoding="utf-8"?>
 <p:sld xmlns:a="http://schemas.openxmlformats.org/drawingml/2006/main" xmlns:r="http://schemas.openxmlformats.org/officeDocument/2006/relationships" xmlns:p="http://schemas.openxmlformats.org/presentationml/2006/main">
   <p:cSld>
     <p:spTree>
@@ -6208,7 +6690,7 @@
 </p:sld>
 </file>
 
-<file path=ppt/slides/slide32.xml><?xml version="1.0" encoding="utf-8"?>
+<file path=ppt/slides/slide36.xml><?xml version="1.0" encoding="utf-8"?>
 <p:sld xmlns:a="http://schemas.openxmlformats.org/drawingml/2006/main" xmlns:r="http://schemas.openxmlformats.org/officeDocument/2006/relationships" xmlns:p="http://schemas.openxmlformats.org/presentationml/2006/main">
   <p:cSld>
     <p:spTree>
@@ -6384,7 +6866,7 @@
 </p:sld>
 </file>
 
-<file path=ppt/slides/slide33.xml><?xml version="1.0" encoding="utf-8"?>
+<file path=ppt/slides/slide37.xml><?xml version="1.0" encoding="utf-8"?>
 <p:sld xmlns:a="http://schemas.openxmlformats.org/drawingml/2006/main" xmlns:r="http://schemas.openxmlformats.org/officeDocument/2006/relationships" xmlns:p="http://schemas.openxmlformats.org/presentationml/2006/main">
   <p:cSld>
     <p:spTree>

--- a/threejs-tuts-4.pptx
+++ b/threejs-tuts-4.pptx
@@ -42,6 +42,8 @@
     <p:sldId id="298" r:id="rId36"/>
     <p:sldId id="262" r:id="rId37"/>
     <p:sldId id="304" r:id="rId38"/>
+    <p:sldId id="309" r:id="rId39"/>
+    <p:sldId id="310" r:id="rId40"/>
   </p:sldIdLst>
   <p:sldSz cx="9144000" cy="6858000" type="screen4x3"/>
   <p:notesSz cx="6797675" cy="9928225"/>
@@ -290,7 +292,7 @@
           <a:p>
             <a:fld id="{9AB96A49-BA8E-464B-A1B0-31643BCE068C}" type="datetimeFigureOut">
               <a:rPr lang="zh-TW" altLang="en-US" smtClean="0"/>
-              <a:t>2015/1/1</a:t>
+              <a:t>2015/1/2</a:t>
             </a:fld>
             <a:endParaRPr lang="zh-TW" altLang="en-US"/>
           </a:p>
@@ -460,7 +462,7 @@
           <a:p>
             <a:fld id="{9AB96A49-BA8E-464B-A1B0-31643BCE068C}" type="datetimeFigureOut">
               <a:rPr lang="zh-TW" altLang="en-US" smtClean="0"/>
-              <a:t>2015/1/1</a:t>
+              <a:t>2015/1/2</a:t>
             </a:fld>
             <a:endParaRPr lang="zh-TW" altLang="en-US"/>
           </a:p>
@@ -640,7 +642,7 @@
           <a:p>
             <a:fld id="{9AB96A49-BA8E-464B-A1B0-31643BCE068C}" type="datetimeFigureOut">
               <a:rPr lang="zh-TW" altLang="en-US" smtClean="0"/>
-              <a:t>2015/1/1</a:t>
+              <a:t>2015/1/2</a:t>
             </a:fld>
             <a:endParaRPr lang="zh-TW" altLang="en-US"/>
           </a:p>
@@ -810,7 +812,7 @@
           <a:p>
             <a:fld id="{9AB96A49-BA8E-464B-A1B0-31643BCE068C}" type="datetimeFigureOut">
               <a:rPr lang="zh-TW" altLang="en-US" smtClean="0"/>
-              <a:t>2015/1/1</a:t>
+              <a:t>2015/1/2</a:t>
             </a:fld>
             <a:endParaRPr lang="zh-TW" altLang="en-US"/>
           </a:p>
@@ -1054,7 +1056,7 @@
           <a:p>
             <a:fld id="{9AB96A49-BA8E-464B-A1B0-31643BCE068C}" type="datetimeFigureOut">
               <a:rPr lang="zh-TW" altLang="en-US" smtClean="0"/>
-              <a:t>2015/1/1</a:t>
+              <a:t>2015/1/2</a:t>
             </a:fld>
             <a:endParaRPr lang="zh-TW" altLang="en-US"/>
           </a:p>
@@ -1286,7 +1288,7 @@
           <a:p>
             <a:fld id="{9AB96A49-BA8E-464B-A1B0-31643BCE068C}" type="datetimeFigureOut">
               <a:rPr lang="zh-TW" altLang="en-US" smtClean="0"/>
-              <a:t>2015/1/1</a:t>
+              <a:t>2015/1/2</a:t>
             </a:fld>
             <a:endParaRPr lang="zh-TW" altLang="en-US"/>
           </a:p>
@@ -1653,7 +1655,7 @@
           <a:p>
             <a:fld id="{9AB96A49-BA8E-464B-A1B0-31643BCE068C}" type="datetimeFigureOut">
               <a:rPr lang="zh-TW" altLang="en-US" smtClean="0"/>
-              <a:t>2015/1/1</a:t>
+              <a:t>2015/1/2</a:t>
             </a:fld>
             <a:endParaRPr lang="zh-TW" altLang="en-US"/>
           </a:p>
@@ -1771,7 +1773,7 @@
           <a:p>
             <a:fld id="{9AB96A49-BA8E-464B-A1B0-31643BCE068C}" type="datetimeFigureOut">
               <a:rPr lang="zh-TW" altLang="en-US" smtClean="0"/>
-              <a:t>2015/1/1</a:t>
+              <a:t>2015/1/2</a:t>
             </a:fld>
             <a:endParaRPr lang="zh-TW" altLang="en-US"/>
           </a:p>
@@ -1866,7 +1868,7 @@
           <a:p>
             <a:fld id="{9AB96A49-BA8E-464B-A1B0-31643BCE068C}" type="datetimeFigureOut">
               <a:rPr lang="zh-TW" altLang="en-US" smtClean="0"/>
-              <a:t>2015/1/1</a:t>
+              <a:t>2015/1/2</a:t>
             </a:fld>
             <a:endParaRPr lang="zh-TW" altLang="en-US"/>
           </a:p>
@@ -2143,7 +2145,7 @@
           <a:p>
             <a:fld id="{9AB96A49-BA8E-464B-A1B0-31643BCE068C}" type="datetimeFigureOut">
               <a:rPr lang="zh-TW" altLang="en-US" smtClean="0"/>
-              <a:t>2015/1/1</a:t>
+              <a:t>2015/1/2</a:t>
             </a:fld>
             <a:endParaRPr lang="zh-TW" altLang="en-US"/>
           </a:p>
@@ -2400,7 +2402,7 @@
           <a:p>
             <a:fld id="{9AB96A49-BA8E-464B-A1B0-31643BCE068C}" type="datetimeFigureOut">
               <a:rPr lang="zh-TW" altLang="en-US" smtClean="0"/>
-              <a:t>2015/1/1</a:t>
+              <a:t>2015/1/2</a:t>
             </a:fld>
             <a:endParaRPr lang="zh-TW" altLang="en-US"/>
           </a:p>
@@ -2613,7 +2615,7 @@
           <a:p>
             <a:fld id="{9AB96A49-BA8E-464B-A1B0-31643BCE068C}" type="datetimeFigureOut">
               <a:rPr lang="zh-TW" altLang="en-US" smtClean="0"/>
-              <a:t>2015/1/1</a:t>
+              <a:t>2015/1/2</a:t>
             </a:fld>
             <a:endParaRPr lang="zh-TW" altLang="en-US"/>
           </a:p>
@@ -3042,11 +3044,7 @@
             </a:br>
             <a:r>
               <a:rPr lang="en-US" altLang="zh-TW" dirty="0" smtClean="0"/>
-              <a:t>Part 4 </a:t>
-            </a:r>
-            <a:r>
-              <a:rPr lang="en-US" altLang="zh-TW" dirty="0" smtClean="0"/>
-              <a:t>(</a:t>
+              <a:t>Part 4 (</a:t>
             </a:r>
             <a:r>
               <a:rPr lang="en-US" altLang="zh-TW" dirty="0"/>
@@ -3844,11 +3842,7 @@
             </a:r>
             <a:r>
               <a:rPr lang="en-US" altLang="zh-TW" dirty="0" smtClean="0"/>
-              <a:t>-2 </a:t>
-            </a:r>
-            <a:r>
-              <a:rPr lang="en-US" altLang="zh-TW" dirty="0" smtClean="0"/>
-              <a:t>(GLSL: </a:t>
+              <a:t>-2 (GLSL: </a:t>
             </a:r>
             <a:r>
               <a:rPr lang="en-US" altLang="zh-TW" dirty="0" err="1" smtClean="0"/>
@@ -4364,11 +4358,7 @@
             </a:r>
             <a:r>
               <a:rPr lang="en-US" altLang="zh-TW" dirty="0" smtClean="0"/>
-              <a:t>-3 </a:t>
-            </a:r>
-            <a:r>
-              <a:rPr lang="en-US" altLang="zh-TW" dirty="0" smtClean="0"/>
-              <a:t>Filter</a:t>
+              <a:t>-3 Filter</a:t>
             </a:r>
             <a:endParaRPr lang="zh-TW" altLang="en-US" dirty="0"/>
           </a:p>
@@ -5022,11 +5012,7 @@
             </a:r>
             <a:r>
               <a:rPr lang="en-US" altLang="zh-TW" dirty="0" smtClean="0"/>
-              <a:t>-4 </a:t>
-            </a:r>
-            <a:r>
-              <a:rPr lang="en-US" altLang="zh-TW" dirty="0" smtClean="0"/>
-              <a:t>RTT (</a:t>
+              <a:t>-4 RTT (</a:t>
             </a:r>
             <a:r>
               <a:rPr lang="en-US" altLang="zh-TW" dirty="0" err="1">
@@ -5459,7 +5445,7 @@
       </p:sp>
       <p:pic>
         <p:nvPicPr>
-          <p:cNvPr id="4" name="圖片 3"/>
+          <p:cNvPr id="5" name="圖片 4"/>
           <p:cNvPicPr>
             <a:picLocks noChangeAspect="1"/>
           </p:cNvPicPr>
@@ -5473,8 +5459,8 @@
         </p:blipFill>
         <p:spPr>
           <a:xfrm>
-            <a:off x="1504950" y="685800"/>
-            <a:ext cx="6134100" cy="5486400"/>
+            <a:off x="1528762" y="685800"/>
+            <a:ext cx="6086475" cy="5486400"/>
           </a:xfrm>
           <a:prstGeom prst="rect">
             <a:avLst/>
@@ -5565,8 +5551,8 @@
         </p:blipFill>
         <p:spPr>
           <a:xfrm>
-            <a:off x="-557213" y="971550"/>
-            <a:ext cx="10258425" cy="4914900"/>
+            <a:off x="232914" y="1027907"/>
+            <a:ext cx="8773063" cy="4914900"/>
           </a:xfrm>
           <a:prstGeom prst="rect">
             <a:avLst/>
@@ -5657,8 +5643,8 @@
         </p:blipFill>
         <p:spPr>
           <a:xfrm>
-            <a:off x="-971550" y="838200"/>
-            <a:ext cx="11087100" cy="5181600"/>
+            <a:off x="250166" y="915837"/>
+            <a:ext cx="8755812" cy="5181600"/>
           </a:xfrm>
           <a:prstGeom prst="rect">
             <a:avLst/>
@@ -5716,11 +5702,7 @@
             </a:r>
             <a:r>
               <a:rPr lang="en-US" altLang="zh-TW" dirty="0" smtClean="0"/>
-              <a:t> </a:t>
-            </a:r>
-            <a:r>
-              <a:rPr lang="en-US" altLang="zh-TW" dirty="0" smtClean="0"/>
-              <a:t>S-0</a:t>
+              <a:t> S-0</a:t>
             </a:r>
             <a:endParaRPr lang="zh-TW" altLang="en-US" dirty="0"/>
           </a:p>
@@ -6976,6 +6958,224 @@
     <p:extLst>
       <p:ext uri="{BB962C8B-B14F-4D97-AF65-F5344CB8AC3E}">
         <p14:creationId xmlns:p14="http://schemas.microsoft.com/office/powerpoint/2010/main" val="3495023206"/>
+      </p:ext>
+    </p:extLst>
+  </p:cSld>
+  <p:clrMapOvr>
+    <a:masterClrMapping/>
+  </p:clrMapOvr>
+</p:sld>
+</file>
+
+<file path=ppt/slides/slide38.xml><?xml version="1.0" encoding="utf-8"?>
+<p:sld xmlns:a="http://schemas.openxmlformats.org/drawingml/2006/main" xmlns:r="http://schemas.openxmlformats.org/officeDocument/2006/relationships" xmlns:p="http://schemas.openxmlformats.org/presentationml/2006/main">
+  <p:cSld>
+    <p:spTree>
+      <p:nvGrpSpPr>
+        <p:cNvPr id="1" name=""/>
+        <p:cNvGrpSpPr/>
+        <p:nvPr/>
+      </p:nvGrpSpPr>
+      <p:grpSpPr>
+        <a:xfrm>
+          <a:off x="0" y="0"/>
+          <a:ext cx="0" cy="0"/>
+          <a:chOff x="0" y="0"/>
+          <a:chExt cx="0" cy="0"/>
+        </a:xfrm>
+      </p:grpSpPr>
+      <p:sp>
+        <p:nvSpPr>
+          <p:cNvPr id="2" name="標題 1"/>
+          <p:cNvSpPr>
+            <a:spLocks noGrp="1"/>
+          </p:cNvSpPr>
+          <p:nvPr>
+            <p:ph type="title"/>
+          </p:nvPr>
+        </p:nvSpPr>
+        <p:spPr/>
+        <p:txBody>
+          <a:bodyPr/>
+          <a:lstStyle/>
+          <a:p>
+            <a:r>
+              <a:rPr lang="en-US" altLang="zh-TW" dirty="0" smtClean="0"/>
+              <a:t>Deferred Lighting</a:t>
+            </a:r>
+            <a:endParaRPr lang="zh-TW" altLang="en-US" dirty="0"/>
+          </a:p>
+        </p:txBody>
+      </p:sp>
+      <p:sp>
+        <p:nvSpPr>
+          <p:cNvPr id="3" name="內容版面配置區 2"/>
+          <p:cNvSpPr>
+            <a:spLocks noGrp="1"/>
+          </p:cNvSpPr>
+          <p:nvPr>
+            <p:ph idx="1"/>
+          </p:nvPr>
+        </p:nvSpPr>
+        <p:spPr/>
+        <p:txBody>
+          <a:bodyPr/>
+          <a:lstStyle/>
+          <a:p>
+            <a:r>
+              <a:rPr lang="en-US" altLang="zh-TW" dirty="0" err="1" smtClean="0"/>
+              <a:t>Gamedev</a:t>
+            </a:r>
+            <a:r>
+              <a:rPr lang="en-US" altLang="zh-TW" dirty="0"/>
+              <a:t> reference: </a:t>
+            </a:r>
+            <a:r>
+              <a:rPr lang="en-US" altLang="zh-TW" dirty="0">
+                <a:hlinkClick r:id="rId2"/>
+              </a:rPr>
+              <a:t>http://gamedevelopment.tutsplus.com/articles/forward-rendering-vs-deferred-rendering--</a:t>
+            </a:r>
+            <a:r>
+              <a:rPr lang="en-US" altLang="zh-TW" dirty="0" smtClean="0">
+                <a:hlinkClick r:id="rId2"/>
+              </a:rPr>
+              <a:t>gamedev-12342</a:t>
+            </a:r>
+            <a:endParaRPr lang="en-US" altLang="zh-TW" dirty="0" smtClean="0"/>
+          </a:p>
+          <a:p>
+            <a:r>
+              <a:rPr lang="en-US" altLang="zh-TW" dirty="0" smtClean="0"/>
+              <a:t>Area light</a:t>
+            </a:r>
+          </a:p>
+          <a:p>
+            <a:r>
+              <a:rPr lang="en-US" altLang="zh-TW" dirty="0">
+                <a:hlinkClick r:id="rId3"/>
+              </a:rPr>
+              <a:t>http://</a:t>
+            </a:r>
+            <a:r>
+              <a:rPr lang="en-US" altLang="zh-TW" dirty="0" smtClean="0">
+                <a:hlinkClick r:id="rId3"/>
+              </a:rPr>
+              <a:t>threejs.org/examples/webgldeferred_arealights.html</a:t>
+            </a:r>
+            <a:endParaRPr lang="en-US" altLang="zh-TW" dirty="0" smtClean="0"/>
+          </a:p>
+          <a:p>
+            <a:endParaRPr lang="zh-TW" altLang="en-US" dirty="0"/>
+          </a:p>
+        </p:txBody>
+      </p:sp>
+    </p:spTree>
+    <p:extLst>
+      <p:ext uri="{BB962C8B-B14F-4D97-AF65-F5344CB8AC3E}">
+        <p14:creationId xmlns:p14="http://schemas.microsoft.com/office/powerpoint/2010/main" val="707396556"/>
+      </p:ext>
+    </p:extLst>
+  </p:cSld>
+  <p:clrMapOvr>
+    <a:masterClrMapping/>
+  </p:clrMapOvr>
+</p:sld>
+</file>
+
+<file path=ppt/slides/slide39.xml><?xml version="1.0" encoding="utf-8"?>
+<p:sld xmlns:a="http://schemas.openxmlformats.org/drawingml/2006/main" xmlns:r="http://schemas.openxmlformats.org/officeDocument/2006/relationships" xmlns:p="http://schemas.openxmlformats.org/presentationml/2006/main">
+  <p:cSld>
+    <p:spTree>
+      <p:nvGrpSpPr>
+        <p:cNvPr id="1" name=""/>
+        <p:cNvGrpSpPr/>
+        <p:nvPr/>
+      </p:nvGrpSpPr>
+      <p:grpSpPr>
+        <a:xfrm>
+          <a:off x="0" y="0"/>
+          <a:ext cx="0" cy="0"/>
+          <a:chOff x="0" y="0"/>
+          <a:chExt cx="0" cy="0"/>
+        </a:xfrm>
+      </p:grpSpPr>
+      <p:sp>
+        <p:nvSpPr>
+          <p:cNvPr id="2" name="標題 1"/>
+          <p:cNvSpPr>
+            <a:spLocks noGrp="1"/>
+          </p:cNvSpPr>
+          <p:nvPr>
+            <p:ph type="title"/>
+          </p:nvPr>
+        </p:nvSpPr>
+        <p:spPr/>
+        <p:txBody>
+          <a:bodyPr/>
+          <a:lstStyle/>
+          <a:p>
+            <a:r>
+              <a:rPr lang="en-US" altLang="zh-TW" dirty="0" smtClean="0"/>
+              <a:t>File reader</a:t>
+            </a:r>
+            <a:endParaRPr lang="zh-TW" altLang="en-US" dirty="0"/>
+          </a:p>
+        </p:txBody>
+      </p:sp>
+      <p:sp>
+        <p:nvSpPr>
+          <p:cNvPr id="3" name="內容版面配置區 2"/>
+          <p:cNvSpPr>
+            <a:spLocks noGrp="1"/>
+          </p:cNvSpPr>
+          <p:nvPr>
+            <p:ph idx="1"/>
+          </p:nvPr>
+        </p:nvSpPr>
+        <p:spPr/>
+        <p:txBody>
+          <a:bodyPr/>
+          <a:lstStyle/>
+          <a:p>
+            <a:r>
+              <a:rPr lang="en-US" altLang="zh-TW" dirty="0">
+                <a:hlinkClick r:id="rId2"/>
+              </a:rPr>
+              <a:t>http://jsfiddle.net/u4vFe</a:t>
+            </a:r>
+            <a:r>
+              <a:rPr lang="en-US" altLang="zh-TW" dirty="0" smtClean="0">
+                <a:hlinkClick r:id="rId2"/>
+              </a:rPr>
+              <a:t>/</a:t>
+            </a:r>
+            <a:endParaRPr lang="en-US" altLang="zh-TW" dirty="0" smtClean="0"/>
+          </a:p>
+          <a:p>
+            <a:r>
+              <a:rPr lang="en-US" altLang="zh-TW" dirty="0">
+                <a:hlinkClick r:id="rId3"/>
+              </a:rPr>
+              <a:t>http://jsfiddle.net/0GiS0/Yvgc2</a:t>
+            </a:r>
+            <a:r>
+              <a:rPr lang="en-US" altLang="zh-TW" dirty="0" smtClean="0">
+                <a:hlinkClick r:id="rId3"/>
+              </a:rPr>
+              <a:t>/</a:t>
+            </a:r>
+            <a:endParaRPr lang="en-US" altLang="zh-TW" dirty="0" smtClean="0"/>
+          </a:p>
+          <a:p>
+            <a:endParaRPr lang="zh-TW" altLang="en-US" dirty="0"/>
+          </a:p>
+        </p:txBody>
+      </p:sp>
+    </p:spTree>
+    <p:extLst>
+      <p:ext uri="{BB962C8B-B14F-4D97-AF65-F5344CB8AC3E}">
+        <p14:creationId xmlns:p14="http://schemas.microsoft.com/office/powerpoint/2010/main" val="1647506837"/>
       </p:ext>
     </p:extLst>
   </p:cSld>

--- a/threejs-tuts-4.pptx
+++ b/threejs-tuts-4.pptx
@@ -44,6 +44,7 @@
     <p:sldId id="304" r:id="rId38"/>
     <p:sldId id="309" r:id="rId39"/>
     <p:sldId id="310" r:id="rId40"/>
+    <p:sldId id="311" r:id="rId41"/>
   </p:sldIdLst>
   <p:sldSz cx="9144000" cy="6858000" type="screen4x3"/>
   <p:notesSz cx="6797675" cy="9928225"/>
@@ -144,7 +145,7 @@
   </p:defaultTextStyle>
   <p:extLst>
     <p:ext uri="{EFAFB233-063F-42B5-8137-9DF3F51BA10A}">
-      <p15:sldGuideLst xmlns:p15="http://schemas.microsoft.com/office/powerpoint/2012/main">
+      <p15:sldGuideLst xmlns:p15="http://schemas.microsoft.com/office/powerpoint/2012/main" xmlns="">
         <p15:guide id="1" orient="horz" pos="2160">
           <p15:clr>
             <a:srgbClr val="A4A3A4"/>
@@ -292,7 +293,7 @@
           <a:p>
             <a:fld id="{9AB96A49-BA8E-464B-A1B0-31643BCE068C}" type="datetimeFigureOut">
               <a:rPr lang="zh-TW" altLang="en-US" smtClean="0"/>
-              <a:t>2015/1/2</a:t>
+              <a:t>2015/1/5</a:t>
             </a:fld>
             <a:endParaRPr lang="zh-TW" altLang="en-US"/>
           </a:p>
@@ -462,7 +463,7 @@
           <a:p>
             <a:fld id="{9AB96A49-BA8E-464B-A1B0-31643BCE068C}" type="datetimeFigureOut">
               <a:rPr lang="zh-TW" altLang="en-US" smtClean="0"/>
-              <a:t>2015/1/2</a:t>
+              <a:t>2015/1/5</a:t>
             </a:fld>
             <a:endParaRPr lang="zh-TW" altLang="en-US"/>
           </a:p>
@@ -642,7 +643,7 @@
           <a:p>
             <a:fld id="{9AB96A49-BA8E-464B-A1B0-31643BCE068C}" type="datetimeFigureOut">
               <a:rPr lang="zh-TW" altLang="en-US" smtClean="0"/>
-              <a:t>2015/1/2</a:t>
+              <a:t>2015/1/5</a:t>
             </a:fld>
             <a:endParaRPr lang="zh-TW" altLang="en-US"/>
           </a:p>
@@ -812,7 +813,7 @@
           <a:p>
             <a:fld id="{9AB96A49-BA8E-464B-A1B0-31643BCE068C}" type="datetimeFigureOut">
               <a:rPr lang="zh-TW" altLang="en-US" smtClean="0"/>
-              <a:t>2015/1/2</a:t>
+              <a:t>2015/1/5</a:t>
             </a:fld>
             <a:endParaRPr lang="zh-TW" altLang="en-US"/>
           </a:p>
@@ -1056,7 +1057,7 @@
           <a:p>
             <a:fld id="{9AB96A49-BA8E-464B-A1B0-31643BCE068C}" type="datetimeFigureOut">
               <a:rPr lang="zh-TW" altLang="en-US" smtClean="0"/>
-              <a:t>2015/1/2</a:t>
+              <a:t>2015/1/5</a:t>
             </a:fld>
             <a:endParaRPr lang="zh-TW" altLang="en-US"/>
           </a:p>
@@ -1288,7 +1289,7 @@
           <a:p>
             <a:fld id="{9AB96A49-BA8E-464B-A1B0-31643BCE068C}" type="datetimeFigureOut">
               <a:rPr lang="zh-TW" altLang="en-US" smtClean="0"/>
-              <a:t>2015/1/2</a:t>
+              <a:t>2015/1/5</a:t>
             </a:fld>
             <a:endParaRPr lang="zh-TW" altLang="en-US"/>
           </a:p>
@@ -1655,7 +1656,7 @@
           <a:p>
             <a:fld id="{9AB96A49-BA8E-464B-A1B0-31643BCE068C}" type="datetimeFigureOut">
               <a:rPr lang="zh-TW" altLang="en-US" smtClean="0"/>
-              <a:t>2015/1/2</a:t>
+              <a:t>2015/1/5</a:t>
             </a:fld>
             <a:endParaRPr lang="zh-TW" altLang="en-US"/>
           </a:p>
@@ -1773,7 +1774,7 @@
           <a:p>
             <a:fld id="{9AB96A49-BA8E-464B-A1B0-31643BCE068C}" type="datetimeFigureOut">
               <a:rPr lang="zh-TW" altLang="en-US" smtClean="0"/>
-              <a:t>2015/1/2</a:t>
+              <a:t>2015/1/5</a:t>
             </a:fld>
             <a:endParaRPr lang="zh-TW" altLang="en-US"/>
           </a:p>
@@ -1868,7 +1869,7 @@
           <a:p>
             <a:fld id="{9AB96A49-BA8E-464B-A1B0-31643BCE068C}" type="datetimeFigureOut">
               <a:rPr lang="zh-TW" altLang="en-US" smtClean="0"/>
-              <a:t>2015/1/2</a:t>
+              <a:t>2015/1/5</a:t>
             </a:fld>
             <a:endParaRPr lang="zh-TW" altLang="en-US"/>
           </a:p>
@@ -2145,7 +2146,7 @@
           <a:p>
             <a:fld id="{9AB96A49-BA8E-464B-A1B0-31643BCE068C}" type="datetimeFigureOut">
               <a:rPr lang="zh-TW" altLang="en-US" smtClean="0"/>
-              <a:t>2015/1/2</a:t>
+              <a:t>2015/1/5</a:t>
             </a:fld>
             <a:endParaRPr lang="zh-TW" altLang="en-US"/>
           </a:p>
@@ -2402,7 +2403,7 @@
           <a:p>
             <a:fld id="{9AB96A49-BA8E-464B-A1B0-31643BCE068C}" type="datetimeFigureOut">
               <a:rPr lang="zh-TW" altLang="en-US" smtClean="0"/>
-              <a:t>2015/1/2</a:t>
+              <a:t>2015/1/5</a:t>
             </a:fld>
             <a:endParaRPr lang="zh-TW" altLang="en-US"/>
           </a:p>
@@ -2615,7 +2616,7 @@
           <a:p>
             <a:fld id="{9AB96A49-BA8E-464B-A1B0-31643BCE068C}" type="datetimeFigureOut">
               <a:rPr lang="zh-TW" altLang="en-US" smtClean="0"/>
-              <a:t>2015/1/2</a:t>
+              <a:t>2015/1/5</a:t>
             </a:fld>
             <a:endParaRPr lang="zh-TW" altLang="en-US"/>
           </a:p>
@@ -7182,6 +7183,13 @@
   <p:clrMapOvr>
     <a:masterClrMapping/>
   </p:clrMapOvr>
+  <p:timing>
+    <p:tnLst>
+      <p:par>
+        <p:cTn id="1" dur="indefinite" restart="never" nodeType="tmRoot"/>
+      </p:par>
+    </p:tnLst>
+  </p:timing>
 </p:sld>
 </file>
 
@@ -7268,6 +7276,190 @@
     <p:extLst>
       <p:ext uri="{BB962C8B-B14F-4D97-AF65-F5344CB8AC3E}">
         <p14:creationId xmlns:p14="http://schemas.microsoft.com/office/powerpoint/2010/main" val="1925824345"/>
+      </p:ext>
+    </p:extLst>
+  </p:cSld>
+  <p:clrMapOvr>
+    <a:masterClrMapping/>
+  </p:clrMapOvr>
+  <p:timing>
+    <p:tnLst>
+      <p:par>
+        <p:cTn id="1" dur="indefinite" restart="never" nodeType="tmRoot"/>
+      </p:par>
+    </p:tnLst>
+  </p:timing>
+</p:sld>
+</file>
+
+<file path=ppt/slides/slide40.xml><?xml version="1.0" encoding="utf-8"?>
+<p:sld xmlns:a="http://schemas.openxmlformats.org/drawingml/2006/main" xmlns:r="http://schemas.openxmlformats.org/officeDocument/2006/relationships" xmlns:p="http://schemas.openxmlformats.org/presentationml/2006/main">
+  <p:cSld>
+    <p:spTree>
+      <p:nvGrpSpPr>
+        <p:cNvPr id="1" name=""/>
+        <p:cNvGrpSpPr/>
+        <p:nvPr/>
+      </p:nvGrpSpPr>
+      <p:grpSpPr>
+        <a:xfrm>
+          <a:off x="0" y="0"/>
+          <a:ext cx="0" cy="0"/>
+          <a:chOff x="0" y="0"/>
+          <a:chExt cx="0" cy="0"/>
+        </a:xfrm>
+      </p:grpSpPr>
+      <p:sp>
+        <p:nvSpPr>
+          <p:cNvPr id="2" name="標題 1"/>
+          <p:cNvSpPr>
+            <a:spLocks noGrp="1"/>
+          </p:cNvSpPr>
+          <p:nvPr>
+            <p:ph type="title"/>
+          </p:nvPr>
+        </p:nvSpPr>
+        <p:spPr/>
+        <p:txBody>
+          <a:bodyPr/>
+          <a:lstStyle/>
+          <a:p>
+            <a:r>
+              <a:rPr lang="en-US" altLang="zh-TW" dirty="0" smtClean="0"/>
+              <a:t>THREE. </a:t>
+            </a:r>
+            <a:r>
+              <a:rPr lang="en-US" altLang="zh-TW" dirty="0" err="1" smtClean="0"/>
+              <a:t>effectComposer</a:t>
+            </a:r>
+            <a:r>
+              <a:rPr lang="en-US" altLang="zh-TW" dirty="0" smtClean="0"/>
+              <a:t>, </a:t>
+            </a:r>
+            <a:r>
+              <a:rPr lang="en-US" altLang="zh-TW" dirty="0" err="1" smtClean="0"/>
+              <a:t>shaderpass</a:t>
+            </a:r>
+            <a:r>
+              <a:rPr lang="en-US" altLang="zh-TW" dirty="0" smtClean="0"/>
+              <a:t>, </a:t>
+            </a:r>
+            <a:r>
+              <a:rPr lang="en-US" altLang="zh-TW" dirty="0" err="1" smtClean="0"/>
+              <a:t>renderpass</a:t>
+            </a:r>
+            <a:r>
+              <a:rPr lang="en-US" altLang="zh-TW" dirty="0" smtClean="0"/>
+              <a:t>, …</a:t>
+            </a:r>
+            <a:endParaRPr lang="zh-TW" altLang="en-US" dirty="0"/>
+          </a:p>
+        </p:txBody>
+      </p:sp>
+      <p:sp>
+        <p:nvSpPr>
+          <p:cNvPr id="3" name="內容版面配置區 2"/>
+          <p:cNvSpPr>
+            <a:spLocks noGrp="1"/>
+          </p:cNvSpPr>
+          <p:nvPr>
+            <p:ph idx="1"/>
+          </p:nvPr>
+        </p:nvSpPr>
+        <p:spPr/>
+        <p:txBody>
+          <a:bodyPr/>
+          <a:lstStyle/>
+          <a:p>
+            <a:r>
+              <a:rPr lang="en-US" altLang="zh-TW" dirty="0" smtClean="0"/>
+              <a:t>Pixel </a:t>
+            </a:r>
+            <a:r>
+              <a:rPr lang="en-US" altLang="zh-TW" dirty="0" err="1" smtClean="0"/>
+              <a:t>shaders</a:t>
+            </a:r>
+            <a:r>
+              <a:rPr lang="en-US" altLang="zh-TW" dirty="0" smtClean="0"/>
+              <a:t> in </a:t>
+            </a:r>
+            <a:r>
+              <a:rPr lang="en-US" altLang="zh-TW" dirty="0" err="1" smtClean="0"/>
+              <a:t>threejs</a:t>
+            </a:r>
+            <a:r>
+              <a:rPr lang="en-US" altLang="zh-TW" dirty="0"/>
+              <a:t>: </a:t>
+            </a:r>
+            <a:r>
+              <a:rPr lang="en-US" altLang="zh-TW" dirty="0">
+                <a:hlinkClick r:id="rId2"/>
+              </a:rPr>
+              <a:t>http://www.airtightinteractive.com/2013/02/intro-to-pixel-shaders-in-three-js</a:t>
+            </a:r>
+            <a:r>
+              <a:rPr lang="en-US" altLang="zh-TW" dirty="0" smtClean="0">
+                <a:hlinkClick r:id="rId2"/>
+              </a:rPr>
+              <a:t>/</a:t>
+            </a:r>
+            <a:endParaRPr lang="en-US" altLang="zh-TW" dirty="0" smtClean="0"/>
+          </a:p>
+          <a:p>
+            <a:r>
+              <a:rPr lang="en-US" altLang="zh-TW" dirty="0">
+                <a:hlinkClick r:id="rId3"/>
+              </a:rPr>
+              <a:t>http://www.airtightinteractive.com/demos/js/shaders/preview</a:t>
+            </a:r>
+            <a:r>
+              <a:rPr lang="en-US" altLang="zh-TW" dirty="0" smtClean="0">
+                <a:hlinkClick r:id="rId3"/>
+              </a:rPr>
+              <a:t>/</a:t>
+            </a:r>
+            <a:endParaRPr lang="en-US" altLang="zh-TW" dirty="0" smtClean="0"/>
+          </a:p>
+          <a:p>
+            <a:endParaRPr lang="en-US" altLang="zh-TW" dirty="0" smtClean="0"/>
+          </a:p>
+          <a:p>
+            <a:r>
+              <a:rPr lang="en-US" altLang="zh-TW" dirty="0" err="1" smtClean="0"/>
+              <a:t>Ssao</a:t>
+            </a:r>
+            <a:r>
+              <a:rPr lang="en-US" altLang="zh-TW" dirty="0" smtClean="0"/>
+              <a:t>: </a:t>
+            </a:r>
+          </a:p>
+          <a:p>
+            <a:r>
+              <a:rPr lang="en-US" altLang="zh-TW" dirty="0">
+                <a:hlinkClick r:id="rId4"/>
+              </a:rPr>
+              <a:t>http://</a:t>
+            </a:r>
+            <a:r>
+              <a:rPr lang="en-US" altLang="zh-TW" dirty="0" smtClean="0">
+                <a:hlinkClick r:id="rId4"/>
+              </a:rPr>
+              <a:t>alteredqualia.com/three/examples/webgl_postprocessing_ssao.html</a:t>
+            </a:r>
+            <a:endParaRPr lang="en-US" altLang="zh-TW" dirty="0" smtClean="0"/>
+          </a:p>
+          <a:p>
+            <a:endParaRPr lang="en-US" altLang="zh-TW" dirty="0" smtClean="0"/>
+          </a:p>
+          <a:p>
+            <a:endParaRPr lang="zh-TW" altLang="en-US" dirty="0"/>
+          </a:p>
+        </p:txBody>
+      </p:sp>
+    </p:spTree>
+    <p:extLst>
+      <p:ext uri="{BB962C8B-B14F-4D97-AF65-F5344CB8AC3E}">
+        <p14:creationId xmlns:p14="http://schemas.microsoft.com/office/powerpoint/2010/main" val="2660399157"/>
       </p:ext>
     </p:extLst>
   </p:cSld>
@@ -8065,7 +8257,7 @@
   <a:extraClrSchemeLst/>
   <a:extLst>
     <a:ext uri="{05A4C25C-085E-4340-85A3-A5531E510DB2}">
-      <thm15:themeFamily xmlns:thm15="http://schemas.microsoft.com/office/thememl/2012/main" name="Office Theme" id="{62F939B6-93AF-4DB8-9C6B-D6C7DFDC589F}" vid="{4A3C46E8-61CC-4603-A589-7422A47A8E4A}"/>
+      <thm15:themeFamily xmlns:thm15="http://schemas.microsoft.com/office/thememl/2012/main" xmlns="" name="Office Theme" id="{62F939B6-93AF-4DB8-9C6B-D6C7DFDC589F}" vid="{4A3C46E8-61CC-4603-A589-7422A47A8E4A}"/>
     </a:ext>
   </a:extLst>
 </a:theme>

--- a/threejs-tuts-4.pptx
+++ b/threejs-tuts-4.pptx
@@ -11,6 +11,10 @@
     <p:sldId id="261" r:id="rId5"/>
     <p:sldId id="258" r:id="rId6"/>
     <p:sldId id="260" r:id="rId7"/>
+    <p:sldId id="262" r:id="rId8"/>
+    <p:sldId id="263" r:id="rId9"/>
+    <p:sldId id="264" r:id="rId10"/>
+    <p:sldId id="265" r:id="rId11"/>
   </p:sldIdLst>
   <p:sldSz cx="9144000" cy="6858000" type="screen4x3"/>
   <p:notesSz cx="6797675" cy="9928225"/>
@@ -111,7 +115,7 @@
   </p:defaultTextStyle>
   <p:extLst>
     <p:ext uri="{EFAFB233-063F-42B5-8137-9DF3F51BA10A}">
-      <p15:sldGuideLst xmlns:p15="http://schemas.microsoft.com/office/powerpoint/2012/main" xmlns="">
+      <p15:sldGuideLst xmlns:p15="http://schemas.microsoft.com/office/powerpoint/2012/main">
         <p15:guide id="1" orient="horz" pos="2160">
           <p15:clr>
             <a:srgbClr val="A4A3A4"/>
@@ -259,7 +263,7 @@
           <a:p>
             <a:fld id="{9AB96A49-BA8E-464B-A1B0-31643BCE068C}" type="datetimeFigureOut">
               <a:rPr lang="zh-TW" altLang="en-US" smtClean="0"/>
-              <a:t>2015/1/7</a:t>
+              <a:t>2015/1/12</a:t>
             </a:fld>
             <a:endParaRPr lang="zh-TW" altLang="en-US"/>
           </a:p>
@@ -429,7 +433,7 @@
           <a:p>
             <a:fld id="{9AB96A49-BA8E-464B-A1B0-31643BCE068C}" type="datetimeFigureOut">
               <a:rPr lang="zh-TW" altLang="en-US" smtClean="0"/>
-              <a:t>2015/1/7</a:t>
+              <a:t>2015/1/12</a:t>
             </a:fld>
             <a:endParaRPr lang="zh-TW" altLang="en-US"/>
           </a:p>
@@ -609,7 +613,7 @@
           <a:p>
             <a:fld id="{9AB96A49-BA8E-464B-A1B0-31643BCE068C}" type="datetimeFigureOut">
               <a:rPr lang="zh-TW" altLang="en-US" smtClean="0"/>
-              <a:t>2015/1/7</a:t>
+              <a:t>2015/1/12</a:t>
             </a:fld>
             <a:endParaRPr lang="zh-TW" altLang="en-US"/>
           </a:p>
@@ -779,7 +783,7 @@
           <a:p>
             <a:fld id="{9AB96A49-BA8E-464B-A1B0-31643BCE068C}" type="datetimeFigureOut">
               <a:rPr lang="zh-TW" altLang="en-US" smtClean="0"/>
-              <a:t>2015/1/7</a:t>
+              <a:t>2015/1/12</a:t>
             </a:fld>
             <a:endParaRPr lang="zh-TW" altLang="en-US"/>
           </a:p>
@@ -1023,7 +1027,7 @@
           <a:p>
             <a:fld id="{9AB96A49-BA8E-464B-A1B0-31643BCE068C}" type="datetimeFigureOut">
               <a:rPr lang="zh-TW" altLang="en-US" smtClean="0"/>
-              <a:t>2015/1/7</a:t>
+              <a:t>2015/1/12</a:t>
             </a:fld>
             <a:endParaRPr lang="zh-TW" altLang="en-US"/>
           </a:p>
@@ -1255,7 +1259,7 @@
           <a:p>
             <a:fld id="{9AB96A49-BA8E-464B-A1B0-31643BCE068C}" type="datetimeFigureOut">
               <a:rPr lang="zh-TW" altLang="en-US" smtClean="0"/>
-              <a:t>2015/1/7</a:t>
+              <a:t>2015/1/12</a:t>
             </a:fld>
             <a:endParaRPr lang="zh-TW" altLang="en-US"/>
           </a:p>
@@ -1622,7 +1626,7 @@
           <a:p>
             <a:fld id="{9AB96A49-BA8E-464B-A1B0-31643BCE068C}" type="datetimeFigureOut">
               <a:rPr lang="zh-TW" altLang="en-US" smtClean="0"/>
-              <a:t>2015/1/7</a:t>
+              <a:t>2015/1/12</a:t>
             </a:fld>
             <a:endParaRPr lang="zh-TW" altLang="en-US"/>
           </a:p>
@@ -1740,7 +1744,7 @@
           <a:p>
             <a:fld id="{9AB96A49-BA8E-464B-A1B0-31643BCE068C}" type="datetimeFigureOut">
               <a:rPr lang="zh-TW" altLang="en-US" smtClean="0"/>
-              <a:t>2015/1/7</a:t>
+              <a:t>2015/1/12</a:t>
             </a:fld>
             <a:endParaRPr lang="zh-TW" altLang="en-US"/>
           </a:p>
@@ -1835,7 +1839,7 @@
           <a:p>
             <a:fld id="{9AB96A49-BA8E-464B-A1B0-31643BCE068C}" type="datetimeFigureOut">
               <a:rPr lang="zh-TW" altLang="en-US" smtClean="0"/>
-              <a:t>2015/1/7</a:t>
+              <a:t>2015/1/12</a:t>
             </a:fld>
             <a:endParaRPr lang="zh-TW" altLang="en-US"/>
           </a:p>
@@ -2112,7 +2116,7 @@
           <a:p>
             <a:fld id="{9AB96A49-BA8E-464B-A1B0-31643BCE068C}" type="datetimeFigureOut">
               <a:rPr lang="zh-TW" altLang="en-US" smtClean="0"/>
-              <a:t>2015/1/7</a:t>
+              <a:t>2015/1/12</a:t>
             </a:fld>
             <a:endParaRPr lang="zh-TW" altLang="en-US"/>
           </a:p>
@@ -2369,7 +2373,7 @@
           <a:p>
             <a:fld id="{9AB96A49-BA8E-464B-A1B0-31643BCE068C}" type="datetimeFigureOut">
               <a:rPr lang="zh-TW" altLang="en-US" smtClean="0"/>
-              <a:t>2015/1/7</a:t>
+              <a:t>2015/1/12</a:t>
             </a:fld>
             <a:endParaRPr lang="zh-TW" altLang="en-US"/>
           </a:p>
@@ -2582,7 +2586,7 @@
           <a:p>
             <a:fld id="{9AB96A49-BA8E-464B-A1B0-31643BCE068C}" type="datetimeFigureOut">
               <a:rPr lang="zh-TW" altLang="en-US" smtClean="0"/>
-              <a:t>2015/1/7</a:t>
+              <a:t>2015/1/12</a:t>
             </a:fld>
             <a:endParaRPr lang="zh-TW" altLang="en-US"/>
           </a:p>
@@ -3078,6 +3082,161 @@
 </p:sld>
 </file>
 
+<file path=ppt/slides/slide10.xml><?xml version="1.0" encoding="utf-8"?>
+<p:sld xmlns:a="http://schemas.openxmlformats.org/drawingml/2006/main" xmlns:r="http://schemas.openxmlformats.org/officeDocument/2006/relationships" xmlns:p="http://schemas.openxmlformats.org/presentationml/2006/main">
+  <p:cSld>
+    <p:spTree>
+      <p:nvGrpSpPr>
+        <p:cNvPr id="1" name=""/>
+        <p:cNvGrpSpPr/>
+        <p:nvPr/>
+      </p:nvGrpSpPr>
+      <p:grpSpPr>
+        <a:xfrm>
+          <a:off x="0" y="0"/>
+          <a:ext cx="0" cy="0"/>
+          <a:chOff x="0" y="0"/>
+          <a:chExt cx="0" cy="0"/>
+        </a:xfrm>
+      </p:grpSpPr>
+      <p:sp>
+        <p:nvSpPr>
+          <p:cNvPr id="2" name="標題 1"/>
+          <p:cNvSpPr>
+            <a:spLocks noGrp="1"/>
+          </p:cNvSpPr>
+          <p:nvPr>
+            <p:ph type="title"/>
+          </p:nvPr>
+        </p:nvSpPr>
+        <p:spPr/>
+        <p:txBody>
+          <a:bodyPr/>
+          <a:lstStyle/>
+          <a:p>
+            <a:endParaRPr lang="zh-TW" altLang="en-US"/>
+          </a:p>
+        </p:txBody>
+      </p:sp>
+      <p:sp>
+        <p:nvSpPr>
+          <p:cNvPr id="3" name="內容版面配置區 2"/>
+          <p:cNvSpPr>
+            <a:spLocks noGrp="1"/>
+          </p:cNvSpPr>
+          <p:nvPr>
+            <p:ph idx="1"/>
+          </p:nvPr>
+        </p:nvSpPr>
+        <p:spPr/>
+        <p:txBody>
+          <a:bodyPr/>
+          <a:lstStyle/>
+          <a:p>
+            <a:endParaRPr lang="zh-TW" altLang="en-US"/>
+          </a:p>
+        </p:txBody>
+      </p:sp>
+      <p:grpSp>
+        <p:nvGrpSpPr>
+          <p:cNvPr id="7" name="群組 6"/>
+          <p:cNvGrpSpPr/>
+          <p:nvPr/>
+        </p:nvGrpSpPr>
+        <p:grpSpPr>
+          <a:xfrm>
+            <a:off x="628650" y="111498"/>
+            <a:ext cx="5353050" cy="3889796"/>
+            <a:chOff x="628650" y="264694"/>
+            <a:chExt cx="5353050" cy="3889796"/>
+          </a:xfrm>
+        </p:grpSpPr>
+        <p:pic>
+          <p:nvPicPr>
+            <p:cNvPr id="4" name="圖片 3"/>
+            <p:cNvPicPr>
+              <a:picLocks noChangeAspect="1"/>
+            </p:cNvPicPr>
+            <p:nvPr/>
+          </p:nvPicPr>
+          <p:blipFill>
+            <a:blip r:embed="rId2"/>
+            <a:stretch>
+              <a:fillRect/>
+            </a:stretch>
+          </p:blipFill>
+          <p:spPr>
+            <a:xfrm>
+              <a:off x="628650" y="264694"/>
+              <a:ext cx="5353050" cy="1238250"/>
+            </a:xfrm>
+            <a:prstGeom prst="rect">
+              <a:avLst/>
+            </a:prstGeom>
+          </p:spPr>
+        </p:pic>
+        <p:pic>
+          <p:nvPicPr>
+            <p:cNvPr id="5" name="圖片 4"/>
+            <p:cNvPicPr>
+              <a:picLocks noChangeAspect="1"/>
+            </p:cNvPicPr>
+            <p:nvPr/>
+          </p:nvPicPr>
+          <p:blipFill>
+            <a:blip r:embed="rId3"/>
+            <a:stretch>
+              <a:fillRect/>
+            </a:stretch>
+          </p:blipFill>
+          <p:spPr>
+            <a:xfrm>
+              <a:off x="628650" y="1468440"/>
+              <a:ext cx="5353050" cy="2686050"/>
+            </a:xfrm>
+            <a:prstGeom prst="rect">
+              <a:avLst/>
+            </a:prstGeom>
+          </p:spPr>
+        </p:pic>
+      </p:grpSp>
+      <p:pic>
+        <p:nvPicPr>
+          <p:cNvPr id="6" name="圖片 5"/>
+          <p:cNvPicPr>
+            <a:picLocks noChangeAspect="1"/>
+          </p:cNvPicPr>
+          <p:nvPr/>
+        </p:nvPicPr>
+        <p:blipFill>
+          <a:blip r:embed="rId4"/>
+          <a:stretch>
+            <a:fillRect/>
+          </a:stretch>
+        </p:blipFill>
+        <p:spPr>
+          <a:xfrm>
+            <a:off x="628650" y="4001294"/>
+            <a:ext cx="5886450" cy="2714625"/>
+          </a:xfrm>
+          <a:prstGeom prst="rect">
+            <a:avLst/>
+          </a:prstGeom>
+        </p:spPr>
+      </p:pic>
+    </p:spTree>
+    <p:extLst>
+      <p:ext uri="{BB962C8B-B14F-4D97-AF65-F5344CB8AC3E}">
+        <p14:creationId xmlns:p14="http://schemas.microsoft.com/office/powerpoint/2010/main" val="275648725"/>
+      </p:ext>
+    </p:extLst>
+  </p:cSld>
+  <p:clrMapOvr>
+    <a:masterClrMapping/>
+  </p:clrMapOvr>
+</p:sld>
+</file>
+
 <file path=ppt/slides/slide2.xml><?xml version="1.0" encoding="utf-8"?>
 <p:sld xmlns:a="http://schemas.openxmlformats.org/drawingml/2006/main" xmlns:r="http://schemas.openxmlformats.org/officeDocument/2006/relationships" xmlns:p="http://schemas.openxmlformats.org/presentationml/2006/main">
   <p:cSld>
@@ -3610,6 +3769,412 @@
     <p:extLst>
       <p:ext uri="{BB962C8B-B14F-4D97-AF65-F5344CB8AC3E}">
         <p14:creationId xmlns:p14="http://schemas.microsoft.com/office/powerpoint/2010/main" val="4102053982"/>
+      </p:ext>
+    </p:extLst>
+  </p:cSld>
+  <p:clrMapOvr>
+    <a:masterClrMapping/>
+  </p:clrMapOvr>
+</p:sld>
+</file>
+
+<file path=ppt/slides/slide7.xml><?xml version="1.0" encoding="utf-8"?>
+<p:sld xmlns:a="http://schemas.openxmlformats.org/drawingml/2006/main" xmlns:r="http://schemas.openxmlformats.org/officeDocument/2006/relationships" xmlns:p="http://schemas.openxmlformats.org/presentationml/2006/main">
+  <p:cSld>
+    <p:spTree>
+      <p:nvGrpSpPr>
+        <p:cNvPr id="1" name=""/>
+        <p:cNvGrpSpPr/>
+        <p:nvPr/>
+      </p:nvGrpSpPr>
+      <p:grpSpPr>
+        <a:xfrm>
+          <a:off x="0" y="0"/>
+          <a:ext cx="0" cy="0"/>
+          <a:chOff x="0" y="0"/>
+          <a:chExt cx="0" cy="0"/>
+        </a:xfrm>
+      </p:grpSpPr>
+      <p:sp>
+        <p:nvSpPr>
+          <p:cNvPr id="2" name="標題 1"/>
+          <p:cNvSpPr>
+            <a:spLocks noGrp="1"/>
+          </p:cNvSpPr>
+          <p:nvPr>
+            <p:ph type="title"/>
+          </p:nvPr>
+        </p:nvSpPr>
+        <p:spPr/>
+        <p:txBody>
+          <a:bodyPr/>
+          <a:lstStyle/>
+          <a:p>
+            <a:r>
+              <a:rPr lang="en-US" altLang="zh-TW" dirty="0" err="1" smtClean="0"/>
+              <a:t>Tuts</a:t>
+            </a:r>
+            <a:r>
+              <a:rPr lang="en-US" altLang="zh-TW" smtClean="0"/>
+              <a:t> 32: Video </a:t>
+            </a:r>
+            <a:r>
+              <a:rPr lang="en-US" altLang="zh-TW" dirty="0" smtClean="0"/>
+              <a:t>Texture</a:t>
+            </a:r>
+            <a:endParaRPr lang="zh-TW" altLang="en-US" dirty="0"/>
+          </a:p>
+        </p:txBody>
+      </p:sp>
+      <p:sp>
+        <p:nvSpPr>
+          <p:cNvPr id="3" name="內容版面配置區 2"/>
+          <p:cNvSpPr>
+            <a:spLocks noGrp="1"/>
+          </p:cNvSpPr>
+          <p:nvPr>
+            <p:ph idx="1"/>
+          </p:nvPr>
+        </p:nvSpPr>
+        <p:spPr/>
+        <p:txBody>
+          <a:bodyPr/>
+          <a:lstStyle/>
+          <a:p>
+            <a:endParaRPr lang="zh-TW" altLang="en-US"/>
+          </a:p>
+        </p:txBody>
+      </p:sp>
+      <p:pic>
+        <p:nvPicPr>
+          <p:cNvPr id="4" name="圖片 3"/>
+          <p:cNvPicPr>
+            <a:picLocks noChangeAspect="1"/>
+          </p:cNvPicPr>
+          <p:nvPr/>
+        </p:nvPicPr>
+        <p:blipFill>
+          <a:blip r:embed="rId2"/>
+          <a:stretch>
+            <a:fillRect/>
+          </a:stretch>
+        </p:blipFill>
+        <p:spPr>
+          <a:xfrm>
+            <a:off x="1544128" y="2305117"/>
+            <a:ext cx="6322264" cy="4223642"/>
+          </a:xfrm>
+          <a:prstGeom prst="rect">
+            <a:avLst/>
+          </a:prstGeom>
+        </p:spPr>
+      </p:pic>
+      <p:sp>
+        <p:nvSpPr>
+          <p:cNvPr id="5" name="圓角矩形 4"/>
+          <p:cNvSpPr/>
+          <p:nvPr/>
+        </p:nvSpPr>
+        <p:spPr>
+          <a:xfrm>
+            <a:off x="5201728" y="4339087"/>
+            <a:ext cx="1362974" cy="267419"/>
+          </a:xfrm>
+          <a:prstGeom prst="roundRect">
+            <a:avLst/>
+          </a:prstGeom>
+          <a:noFill/>
+          <a:ln w="38100">
+            <a:solidFill>
+              <a:srgbClr val="FF0000"/>
+            </a:solidFill>
+          </a:ln>
+        </p:spPr>
+        <p:style>
+          <a:lnRef idx="2">
+            <a:schemeClr val="accent1">
+              <a:shade val="50000"/>
+            </a:schemeClr>
+          </a:lnRef>
+          <a:fillRef idx="1">
+            <a:schemeClr val="accent1"/>
+          </a:fillRef>
+          <a:effectRef idx="0">
+            <a:schemeClr val="accent1"/>
+          </a:effectRef>
+          <a:fontRef idx="minor">
+            <a:schemeClr val="lt1"/>
+          </a:fontRef>
+        </p:style>
+        <p:txBody>
+          <a:bodyPr rtlCol="0" anchor="ctr"/>
+          <a:lstStyle/>
+          <a:p>
+            <a:pPr algn="ctr"/>
+            <a:endParaRPr lang="zh-TW" altLang="en-US"/>
+          </a:p>
+        </p:txBody>
+      </p:sp>
+    </p:spTree>
+    <p:extLst>
+      <p:ext uri="{BB962C8B-B14F-4D97-AF65-F5344CB8AC3E}">
+        <p14:creationId xmlns:p14="http://schemas.microsoft.com/office/powerpoint/2010/main" val="2684960032"/>
+      </p:ext>
+    </p:extLst>
+  </p:cSld>
+  <p:clrMapOvr>
+    <a:masterClrMapping/>
+  </p:clrMapOvr>
+</p:sld>
+</file>
+
+<file path=ppt/slides/slide8.xml><?xml version="1.0" encoding="utf-8"?>
+<p:sld xmlns:a="http://schemas.openxmlformats.org/drawingml/2006/main" xmlns:r="http://schemas.openxmlformats.org/officeDocument/2006/relationships" xmlns:p="http://schemas.openxmlformats.org/presentationml/2006/main">
+  <p:cSld>
+    <p:spTree>
+      <p:nvGrpSpPr>
+        <p:cNvPr id="1" name=""/>
+        <p:cNvGrpSpPr/>
+        <p:nvPr/>
+      </p:nvGrpSpPr>
+      <p:grpSpPr>
+        <a:xfrm>
+          <a:off x="0" y="0"/>
+          <a:ext cx="0" cy="0"/>
+          <a:chOff x="0" y="0"/>
+          <a:chExt cx="0" cy="0"/>
+        </a:xfrm>
+      </p:grpSpPr>
+      <p:sp>
+        <p:nvSpPr>
+          <p:cNvPr id="2" name="標題 1"/>
+          <p:cNvSpPr>
+            <a:spLocks noGrp="1"/>
+          </p:cNvSpPr>
+          <p:nvPr>
+            <p:ph type="title"/>
+          </p:nvPr>
+        </p:nvSpPr>
+        <p:spPr/>
+        <p:txBody>
+          <a:bodyPr/>
+          <a:lstStyle/>
+          <a:p>
+            <a:endParaRPr lang="zh-TW" altLang="en-US"/>
+          </a:p>
+        </p:txBody>
+      </p:sp>
+      <p:sp>
+        <p:nvSpPr>
+          <p:cNvPr id="3" name="內容版面配置區 2"/>
+          <p:cNvSpPr>
+            <a:spLocks noGrp="1"/>
+          </p:cNvSpPr>
+          <p:nvPr>
+            <p:ph idx="1"/>
+          </p:nvPr>
+        </p:nvSpPr>
+        <p:spPr/>
+        <p:txBody>
+          <a:bodyPr/>
+          <a:lstStyle/>
+          <a:p>
+            <a:endParaRPr lang="zh-TW" altLang="en-US"/>
+          </a:p>
+        </p:txBody>
+      </p:sp>
+      <p:pic>
+        <p:nvPicPr>
+          <p:cNvPr id="4" name="圖片 3"/>
+          <p:cNvPicPr>
+            <a:picLocks noChangeAspect="1"/>
+          </p:cNvPicPr>
+          <p:nvPr/>
+        </p:nvPicPr>
+        <p:blipFill>
+          <a:blip r:embed="rId2"/>
+          <a:stretch>
+            <a:fillRect/>
+          </a:stretch>
+        </p:blipFill>
+        <p:spPr>
+          <a:xfrm>
+            <a:off x="628650" y="1713393"/>
+            <a:ext cx="6076950" cy="561975"/>
+          </a:xfrm>
+          <a:prstGeom prst="rect">
+            <a:avLst/>
+          </a:prstGeom>
+        </p:spPr>
+      </p:pic>
+      <p:pic>
+        <p:nvPicPr>
+          <p:cNvPr id="5" name="圖片 4"/>
+          <p:cNvPicPr>
+            <a:picLocks noChangeAspect="1"/>
+          </p:cNvPicPr>
+          <p:nvPr/>
+        </p:nvPicPr>
+        <p:blipFill>
+          <a:blip r:embed="rId3"/>
+          <a:stretch>
+            <a:fillRect/>
+          </a:stretch>
+        </p:blipFill>
+        <p:spPr>
+          <a:xfrm>
+            <a:off x="628650" y="2458515"/>
+            <a:ext cx="6076950" cy="742950"/>
+          </a:xfrm>
+          <a:prstGeom prst="rect">
+            <a:avLst/>
+          </a:prstGeom>
+        </p:spPr>
+      </p:pic>
+      <p:pic>
+        <p:nvPicPr>
+          <p:cNvPr id="6" name="圖片 5"/>
+          <p:cNvPicPr>
+            <a:picLocks noChangeAspect="1"/>
+          </p:cNvPicPr>
+          <p:nvPr/>
+        </p:nvPicPr>
+        <p:blipFill>
+          <a:blip r:embed="rId4"/>
+          <a:stretch>
+            <a:fillRect/>
+          </a:stretch>
+        </p:blipFill>
+        <p:spPr>
+          <a:xfrm>
+            <a:off x="628650" y="3384612"/>
+            <a:ext cx="7943850" cy="2124075"/>
+          </a:xfrm>
+          <a:prstGeom prst="rect">
+            <a:avLst/>
+          </a:prstGeom>
+        </p:spPr>
+      </p:pic>
+    </p:spTree>
+    <p:extLst>
+      <p:ext uri="{BB962C8B-B14F-4D97-AF65-F5344CB8AC3E}">
+        <p14:creationId xmlns:p14="http://schemas.microsoft.com/office/powerpoint/2010/main" val="3360638975"/>
+      </p:ext>
+    </p:extLst>
+  </p:cSld>
+  <p:clrMapOvr>
+    <a:masterClrMapping/>
+  </p:clrMapOvr>
+</p:sld>
+</file>
+
+<file path=ppt/slides/slide9.xml><?xml version="1.0" encoding="utf-8"?>
+<p:sld xmlns:a="http://schemas.openxmlformats.org/drawingml/2006/main" xmlns:r="http://schemas.openxmlformats.org/officeDocument/2006/relationships" xmlns:p="http://schemas.openxmlformats.org/presentationml/2006/main">
+  <p:cSld>
+    <p:spTree>
+      <p:nvGrpSpPr>
+        <p:cNvPr id="1" name=""/>
+        <p:cNvGrpSpPr/>
+        <p:nvPr/>
+      </p:nvGrpSpPr>
+      <p:grpSpPr>
+        <a:xfrm>
+          <a:off x="0" y="0"/>
+          <a:ext cx="0" cy="0"/>
+          <a:chOff x="0" y="0"/>
+          <a:chExt cx="0" cy="0"/>
+        </a:xfrm>
+      </p:grpSpPr>
+      <p:sp>
+        <p:nvSpPr>
+          <p:cNvPr id="2" name="標題 1"/>
+          <p:cNvSpPr>
+            <a:spLocks noGrp="1"/>
+          </p:cNvSpPr>
+          <p:nvPr>
+            <p:ph type="title"/>
+          </p:nvPr>
+        </p:nvSpPr>
+        <p:spPr/>
+        <p:txBody>
+          <a:bodyPr/>
+          <a:lstStyle/>
+          <a:p>
+            <a:endParaRPr lang="zh-TW" altLang="en-US"/>
+          </a:p>
+        </p:txBody>
+      </p:sp>
+      <p:sp>
+        <p:nvSpPr>
+          <p:cNvPr id="3" name="內容版面配置區 2"/>
+          <p:cNvSpPr>
+            <a:spLocks noGrp="1"/>
+          </p:cNvSpPr>
+          <p:nvPr>
+            <p:ph idx="1"/>
+          </p:nvPr>
+        </p:nvSpPr>
+        <p:spPr/>
+        <p:txBody>
+          <a:bodyPr/>
+          <a:lstStyle/>
+          <a:p>
+            <a:endParaRPr lang="zh-TW" altLang="en-US"/>
+          </a:p>
+        </p:txBody>
+      </p:sp>
+      <p:pic>
+        <p:nvPicPr>
+          <p:cNvPr id="4" name="圖片 3"/>
+          <p:cNvPicPr>
+            <a:picLocks noChangeAspect="1"/>
+          </p:cNvPicPr>
+          <p:nvPr/>
+        </p:nvPicPr>
+        <p:blipFill>
+          <a:blip r:embed="rId2"/>
+          <a:stretch>
+            <a:fillRect/>
+          </a:stretch>
+        </p:blipFill>
+        <p:spPr>
+          <a:xfrm>
+            <a:off x="628650" y="2722561"/>
+            <a:ext cx="7886700" cy="1800225"/>
+          </a:xfrm>
+          <a:prstGeom prst="rect">
+            <a:avLst/>
+          </a:prstGeom>
+        </p:spPr>
+      </p:pic>
+      <p:pic>
+        <p:nvPicPr>
+          <p:cNvPr id="5" name="圖片 4"/>
+          <p:cNvPicPr>
+            <a:picLocks noChangeAspect="1"/>
+          </p:cNvPicPr>
+          <p:nvPr/>
+        </p:nvPicPr>
+        <p:blipFill>
+          <a:blip r:embed="rId3"/>
+          <a:stretch>
+            <a:fillRect/>
+          </a:stretch>
+        </p:blipFill>
+        <p:spPr>
+          <a:xfrm>
+            <a:off x="628650" y="1825625"/>
+            <a:ext cx="5200650" cy="762000"/>
+          </a:xfrm>
+          <a:prstGeom prst="rect">
+            <a:avLst/>
+          </a:prstGeom>
+        </p:spPr>
+      </p:pic>
+    </p:spTree>
+    <p:extLst>
+      <p:ext uri="{BB962C8B-B14F-4D97-AF65-F5344CB8AC3E}">
+        <p14:creationId xmlns:p14="http://schemas.microsoft.com/office/powerpoint/2010/main" val="510172656"/>
       </p:ext>
     </p:extLst>
   </p:cSld>
@@ -3874,7 +4439,7 @@
   <a:extraClrSchemeLst/>
   <a:extLst>
     <a:ext uri="{05A4C25C-085E-4340-85A3-A5531E510DB2}">
-      <thm15:themeFamily xmlns:thm15="http://schemas.microsoft.com/office/thememl/2012/main" xmlns="" name="Office Theme" id="{62F939B6-93AF-4DB8-9C6B-D6C7DFDC589F}" vid="{4A3C46E8-61CC-4603-A589-7422A47A8E4A}"/>
+      <thm15:themeFamily xmlns:thm15="http://schemas.microsoft.com/office/thememl/2012/main" name="Office Theme" id="{62F939B6-93AF-4DB8-9C6B-D6C7DFDC589F}" vid="{4A3C46E8-61CC-4603-A589-7422A47A8E4A}"/>
     </a:ext>
   </a:extLst>
 </a:theme>
